--- a/files/Individual_Presentation.pptx
+++ b/files/Individual_Presentation.pptx
@@ -395,7 +395,7 @@
   <pc:docChgLst>
     <pc:chgData name="Elias Medig" userId="30c2e7930a6ba8b5" providerId="LiveId" clId="{6C9A1214-9FF7-4CE5-8EF9-7236F1F587FB}"/>
     <pc:docChg chg="undo custSel addSld delSld modSld sldOrd">
-      <pc:chgData name="Elias Medig" userId="30c2e7930a6ba8b5" providerId="LiveId" clId="{6C9A1214-9FF7-4CE5-8EF9-7236F1F587FB}" dt="2025-02-11T20:23:29.842" v="7392" actId="20577"/>
+      <pc:chgData name="Elias Medig" userId="30c2e7930a6ba8b5" providerId="LiveId" clId="{6C9A1214-9FF7-4CE5-8EF9-7236F1F587FB}" dt="2025-02-13T12:49:55.263" v="7439" actId="404"/>
       <pc:docMkLst>
         <pc:docMk/>
       </pc:docMkLst>
@@ -421,14 +421,6 @@
             <ac:picMk id="2" creationId="{71DE9591-267C-2E1A-BF71-1BAEE4B9779D}"/>
           </ac:picMkLst>
         </pc:picChg>
-        <pc:picChg chg="del">
-          <ac:chgData name="Elias Medig" userId="30c2e7930a6ba8b5" providerId="LiveId" clId="{6C9A1214-9FF7-4CE5-8EF9-7236F1F587FB}" dt="2025-02-11T16:14:09.138" v="3057" actId="478"/>
-          <ac:picMkLst>
-            <pc:docMk/>
-            <pc:sldMk cId="767611276" sldId="276"/>
-            <ac:picMk id="5" creationId="{92A3871D-5C7A-05D5-F5B6-33936D0BC812}"/>
-          </ac:picMkLst>
-        </pc:picChg>
       </pc:sldChg>
       <pc:sldChg chg="addSp delSp modSp mod">
         <pc:chgData name="Elias Medig" userId="30c2e7930a6ba8b5" providerId="LiveId" clId="{6C9A1214-9FF7-4CE5-8EF9-7236F1F587FB}" dt="2025-02-11T14:01:10.811" v="576" actId="22"/>
@@ -436,14 +428,6 @@
           <pc:docMk/>
           <pc:sldMk cId="93465238" sldId="279"/>
         </pc:sldMkLst>
-        <pc:spChg chg="add del mod">
-          <ac:chgData name="Elias Medig" userId="30c2e7930a6ba8b5" providerId="LiveId" clId="{6C9A1214-9FF7-4CE5-8EF9-7236F1F587FB}" dt="2025-02-11T14:00:05.268" v="574"/>
-          <ac:spMkLst>
-            <pc:docMk/>
-            <pc:sldMk cId="93465238" sldId="279"/>
-            <ac:spMk id="3" creationId="{35680F60-75A8-9527-A798-C254A2670827}"/>
-          </ac:spMkLst>
-        </pc:spChg>
         <pc:spChg chg="mod">
           <ac:chgData name="Elias Medig" userId="30c2e7930a6ba8b5" providerId="LiveId" clId="{6C9A1214-9FF7-4CE5-8EF9-7236F1F587FB}" dt="2025-02-11T13:51:42.729" v="429" actId="403"/>
           <ac:spMkLst>
@@ -460,30 +444,6 @@
             <ac:spMk id="8" creationId="{6BBE0348-1527-4055-BA8A-E2754222743D}"/>
           </ac:spMkLst>
         </pc:spChg>
-        <pc:spChg chg="add del mod">
-          <ac:chgData name="Elias Medig" userId="30c2e7930a6ba8b5" providerId="LiveId" clId="{6C9A1214-9FF7-4CE5-8EF9-7236F1F587FB}" dt="2025-02-11T14:01:10.811" v="576" actId="22"/>
-          <ac:spMkLst>
-            <pc:docMk/>
-            <pc:sldMk cId="93465238" sldId="279"/>
-            <ac:spMk id="11" creationId="{37D5ADD6-5954-4094-F4AD-9B79B4170A66}"/>
-          </ac:spMkLst>
-        </pc:spChg>
-        <pc:picChg chg="add del">
-          <ac:chgData name="Elias Medig" userId="30c2e7930a6ba8b5" providerId="LiveId" clId="{6C9A1214-9FF7-4CE5-8EF9-7236F1F587FB}" dt="2025-02-11T14:00:04.509" v="573" actId="21"/>
-          <ac:picMkLst>
-            <pc:docMk/>
-            <pc:sldMk cId="93465238" sldId="279"/>
-            <ac:picMk id="6" creationId="{C4693869-D30C-1E29-8A1A-FF768BA1BF89}"/>
-          </ac:picMkLst>
-        </pc:picChg>
-        <pc:picChg chg="add del mod">
-          <ac:chgData name="Elias Medig" userId="30c2e7930a6ba8b5" providerId="LiveId" clId="{6C9A1214-9FF7-4CE5-8EF9-7236F1F587FB}" dt="2025-02-11T14:01:09.601" v="575" actId="478"/>
-          <ac:picMkLst>
-            <pc:docMk/>
-            <pc:sldMk cId="93465238" sldId="279"/>
-            <ac:picMk id="9" creationId="{C4693869-D30C-1E29-8A1A-FF768BA1BF89}"/>
-          </ac:picMkLst>
-        </pc:picChg>
         <pc:picChg chg="add mod ord">
           <ac:chgData name="Elias Medig" userId="30c2e7930a6ba8b5" providerId="LiveId" clId="{6C9A1214-9FF7-4CE5-8EF9-7236F1F587FB}" dt="2025-02-11T14:01:10.811" v="576" actId="22"/>
           <ac:picMkLst>
@@ -492,17 +452,9 @@
             <ac:picMk id="13" creationId="{A5958366-CFEB-9DEA-FAC0-F08164CB33E5}"/>
           </ac:picMkLst>
         </pc:picChg>
-        <pc:picChg chg="del">
-          <ac:chgData name="Elias Medig" userId="30c2e7930a6ba8b5" providerId="LiveId" clId="{6C9A1214-9FF7-4CE5-8EF9-7236F1F587FB}" dt="2025-02-11T14:00:02.543" v="571" actId="478"/>
-          <ac:picMkLst>
-            <pc:docMk/>
-            <pc:sldMk cId="93465238" sldId="279"/>
-            <ac:picMk id="23" creationId="{D01F5813-17A2-ED18-9EE0-6272783A3507}"/>
-          </ac:picMkLst>
-        </pc:picChg>
       </pc:sldChg>
       <pc:sldChg chg="addSp delSp modSp mod">
-        <pc:chgData name="Elias Medig" userId="30c2e7930a6ba8b5" providerId="LiveId" clId="{6C9A1214-9FF7-4CE5-8EF9-7236F1F587FB}" dt="2025-02-11T16:15:29.671" v="3071" actId="14100"/>
+        <pc:chgData name="Elias Medig" userId="30c2e7930a6ba8b5" providerId="LiveId" clId="{6C9A1214-9FF7-4CE5-8EF9-7236F1F587FB}" dt="2025-02-13T12:10:03.556" v="7410" actId="20577"/>
         <pc:sldMkLst>
           <pc:docMk/>
           <pc:sldMk cId="3054502417" sldId="296"/>
@@ -515,44 +467,12 @@
             <ac:spMk id="3" creationId="{64BB6F2D-E78A-6FE5-1A36-75C74FD93F9F}"/>
           </ac:spMkLst>
         </pc:spChg>
-        <pc:spChg chg="add del mod">
-          <ac:chgData name="Elias Medig" userId="30c2e7930a6ba8b5" providerId="LiveId" clId="{6C9A1214-9FF7-4CE5-8EF9-7236F1F587FB}" dt="2025-02-11T14:42:53.070" v="816" actId="478"/>
-          <ac:spMkLst>
-            <pc:docMk/>
-            <pc:sldMk cId="3054502417" sldId="296"/>
-            <ac:spMk id="5" creationId="{2844FF4E-9B56-CBA0-30FF-501A2A965F2C}"/>
-          </ac:spMkLst>
-        </pc:spChg>
         <pc:spChg chg="add mod">
           <ac:chgData name="Elias Medig" userId="30c2e7930a6ba8b5" providerId="LiveId" clId="{6C9A1214-9FF7-4CE5-8EF9-7236F1F587FB}" dt="2025-02-11T16:01:47.053" v="2420" actId="1076"/>
           <ac:spMkLst>
             <pc:docMk/>
             <pc:sldMk cId="3054502417" sldId="296"/>
             <ac:spMk id="6" creationId="{28741BA6-C392-B8AB-2004-661E35A1F8B8}"/>
-          </ac:spMkLst>
-        </pc:spChg>
-        <pc:spChg chg="del mod">
-          <ac:chgData name="Elias Medig" userId="30c2e7930a6ba8b5" providerId="LiveId" clId="{6C9A1214-9FF7-4CE5-8EF9-7236F1F587FB}" dt="2025-02-11T15:12:16.848" v="1129" actId="478"/>
-          <ac:spMkLst>
-            <pc:docMk/>
-            <pc:sldMk cId="3054502417" sldId="296"/>
-            <ac:spMk id="9" creationId="{5214E3D1-6639-F466-7FDE-6564E439499A}"/>
-          </ac:spMkLst>
-        </pc:spChg>
-        <pc:spChg chg="add del mod">
-          <ac:chgData name="Elias Medig" userId="30c2e7930a6ba8b5" providerId="LiveId" clId="{6C9A1214-9FF7-4CE5-8EF9-7236F1F587FB}" dt="2025-02-11T15:12:18.554" v="1130" actId="478"/>
-          <ac:spMkLst>
-            <pc:docMk/>
-            <pc:sldMk cId="3054502417" sldId="296"/>
-            <ac:spMk id="21" creationId="{030D7E89-BCD9-4905-1DE4-B6B07FC1400E}"/>
-          </ac:spMkLst>
-        </pc:spChg>
-        <pc:spChg chg="add del mod">
-          <ac:chgData name="Elias Medig" userId="30c2e7930a6ba8b5" providerId="LiveId" clId="{6C9A1214-9FF7-4CE5-8EF9-7236F1F587FB}" dt="2025-02-11T16:01:31.129" v="2416" actId="478"/>
-          <ac:spMkLst>
-            <pc:docMk/>
-            <pc:sldMk cId="3054502417" sldId="296"/>
-            <ac:spMk id="27" creationId="{399999EB-9531-AC67-B454-5B94195CBE39}"/>
           </ac:spMkLst>
         </pc:spChg>
         <pc:spChg chg="add mod ord">
@@ -564,7 +484,7 @@
           </ac:spMkLst>
         </pc:spChg>
         <pc:spChg chg="add mod">
-          <ac:chgData name="Elias Medig" userId="30c2e7930a6ba8b5" providerId="LiveId" clId="{6C9A1214-9FF7-4CE5-8EF9-7236F1F587FB}" dt="2025-02-11T16:15:29.671" v="3071" actId="14100"/>
+          <ac:chgData name="Elias Medig" userId="30c2e7930a6ba8b5" providerId="LiveId" clId="{6C9A1214-9FF7-4CE5-8EF9-7236F1F587FB}" dt="2025-02-13T12:10:03.556" v="7410" actId="20577"/>
           <ac:spMkLst>
             <pc:docMk/>
             <pc:sldMk cId="3054502417" sldId="296"/>
@@ -593,14 +513,6 @@
             <pc:docMk/>
             <pc:sldMk cId="3054502417" sldId="296"/>
             <ac:picMk id="11" creationId="{2E62C2E0-D817-41E8-4D1F-2ECB060AC9B7}"/>
-          </ac:picMkLst>
-        </pc:picChg>
-        <pc:picChg chg="add del mod">
-          <ac:chgData name="Elias Medig" userId="30c2e7930a6ba8b5" providerId="LiveId" clId="{6C9A1214-9FF7-4CE5-8EF9-7236F1F587FB}" dt="2025-02-11T16:13:31.553" v="3033" actId="478"/>
-          <ac:picMkLst>
-            <pc:docMk/>
-            <pc:sldMk cId="3054502417" sldId="296"/>
-            <ac:picMk id="31" creationId="{899A48BE-844D-055D-1D59-129867968AA6}"/>
           </ac:picMkLst>
         </pc:picChg>
         <pc:picChg chg="add mod">
@@ -665,14 +577,6 @@
             <ac:picMk id="2" creationId="{2B7B4B32-1726-9FEF-EE72-2BF2F6883CC7}"/>
           </ac:picMkLst>
         </pc:picChg>
-        <pc:picChg chg="del">
-          <ac:chgData name="Elias Medig" userId="30c2e7930a6ba8b5" providerId="LiveId" clId="{6C9A1214-9FF7-4CE5-8EF9-7236F1F587FB}" dt="2025-02-11T16:14:12.475" v="3059" actId="478"/>
-          <ac:picMkLst>
-            <pc:docMk/>
-            <pc:sldMk cId="2098197778" sldId="303"/>
-            <ac:picMk id="5" creationId="{E0024F06-465A-3972-DC58-2564AF39A410}"/>
-          </ac:picMkLst>
-        </pc:picChg>
       </pc:sldChg>
       <pc:sldChg chg="modSp mod">
         <pc:chgData name="Elias Medig" userId="30c2e7930a6ba8b5" providerId="LiveId" clId="{6C9A1214-9FF7-4CE5-8EF9-7236F1F587FB}" dt="2025-02-11T16:13:27.180" v="3032" actId="1038"/>
@@ -735,36 +639,12 @@
             <ac:spMk id="9" creationId="{E28837BF-8EF9-B15A-08FC-52747161FCB1}"/>
           </ac:spMkLst>
         </pc:spChg>
-        <pc:picChg chg="del">
-          <ac:chgData name="Elias Medig" userId="30c2e7930a6ba8b5" providerId="LiveId" clId="{6C9A1214-9FF7-4CE5-8EF9-7236F1F587FB}" dt="2025-02-11T16:13:36.682" v="3037" actId="478"/>
-          <ac:picMkLst>
-            <pc:docMk/>
-            <pc:sldMk cId="2489608030" sldId="308"/>
-            <ac:picMk id="2" creationId="{3AFFA520-1DE5-C178-AE9B-A9FA3DD66052}"/>
-          </ac:picMkLst>
-        </pc:picChg>
-        <pc:picChg chg="add del mod">
-          <ac:chgData name="Elias Medig" userId="30c2e7930a6ba8b5" providerId="LiveId" clId="{6C9A1214-9FF7-4CE5-8EF9-7236F1F587FB}" dt="2025-02-11T15:22:14.398" v="1542" actId="478"/>
-          <ac:picMkLst>
-            <pc:docMk/>
-            <pc:sldMk cId="2489608030" sldId="308"/>
-            <ac:picMk id="5" creationId="{01D91FF3-7494-DF25-30FF-127A001D557D}"/>
-          </ac:picMkLst>
-        </pc:picChg>
         <pc:picChg chg="add mod">
           <ac:chgData name="Elias Medig" userId="30c2e7930a6ba8b5" providerId="LiveId" clId="{6C9A1214-9FF7-4CE5-8EF9-7236F1F587FB}" dt="2025-02-11T16:13:36.821" v="3038"/>
           <ac:picMkLst>
             <pc:docMk/>
             <pc:sldMk cId="2489608030" sldId="308"/>
             <ac:picMk id="8" creationId="{AC5A3A98-DA5B-63F7-3D05-E6A112B77660}"/>
-          </ac:picMkLst>
-        </pc:picChg>
-        <pc:picChg chg="add del mod">
-          <ac:chgData name="Elias Medig" userId="30c2e7930a6ba8b5" providerId="LiveId" clId="{6C9A1214-9FF7-4CE5-8EF9-7236F1F587FB}" dt="2025-02-11T15:17:10.644" v="1153" actId="478"/>
-          <ac:picMkLst>
-            <pc:docMk/>
-            <pc:sldMk cId="2489608030" sldId="308"/>
-            <ac:picMk id="2050" creationId="{C3B21EB3-1265-0957-D67E-73E59267FBDA}"/>
           </ac:picMkLst>
         </pc:picChg>
         <pc:picChg chg="add mod">
@@ -812,36 +692,12 @@
             <ac:spMk id="9" creationId="{43E4B265-731E-3C81-3AA1-A04C96E05040}"/>
           </ac:spMkLst>
         </pc:spChg>
-        <pc:spChg chg="add del mod">
-          <ac:chgData name="Elias Medig" userId="30c2e7930a6ba8b5" providerId="LiveId" clId="{6C9A1214-9FF7-4CE5-8EF9-7236F1F587FB}" dt="2025-02-11T17:22:05.776" v="4762" actId="478"/>
-          <ac:spMkLst>
-            <pc:docMk/>
-            <pc:sldMk cId="2882867625" sldId="311"/>
-            <ac:spMk id="10" creationId="{5BB564E7-147F-2CE5-E7FD-3144564EBE85}"/>
-          </ac:spMkLst>
-        </pc:spChg>
-        <pc:picChg chg="del">
-          <ac:chgData name="Elias Medig" userId="30c2e7930a6ba8b5" providerId="LiveId" clId="{6C9A1214-9FF7-4CE5-8EF9-7236F1F587FB}" dt="2025-02-11T16:14:05.124" v="3055" actId="478"/>
-          <ac:picMkLst>
-            <pc:docMk/>
-            <pc:sldMk cId="2882867625" sldId="311"/>
-            <ac:picMk id="2" creationId="{692161CE-09F9-E964-5E0E-96BB06CA5BF7}"/>
-          </ac:picMkLst>
-        </pc:picChg>
         <pc:picChg chg="add mod">
           <ac:chgData name="Elias Medig" userId="30c2e7930a6ba8b5" providerId="LiveId" clId="{6C9A1214-9FF7-4CE5-8EF9-7236F1F587FB}" dt="2025-02-11T16:14:05.262" v="3056"/>
           <ac:picMkLst>
             <pc:docMk/>
             <pc:sldMk cId="2882867625" sldId="311"/>
             <ac:picMk id="4" creationId="{267D21BE-2465-814A-0EEF-634D51A5E159}"/>
-          </ac:picMkLst>
-        </pc:picChg>
-        <pc:picChg chg="add del mod">
-          <ac:chgData name="Elias Medig" userId="30c2e7930a6ba8b5" providerId="LiveId" clId="{6C9A1214-9FF7-4CE5-8EF9-7236F1F587FB}" dt="2025-02-11T17:21:32.273" v="4747" actId="21"/>
-          <ac:picMkLst>
-            <pc:docMk/>
-            <pc:sldMk cId="2882867625" sldId="311"/>
-            <ac:picMk id="6" creationId="{8DA5AEDA-D692-5068-59BC-FCE2ABB052F4}"/>
           </ac:picMkLst>
         </pc:picChg>
         <pc:picChg chg="add mod modCrop">
@@ -850,14 +706,6 @@
             <pc:docMk/>
             <pc:sldMk cId="2882867625" sldId="311"/>
             <ac:picMk id="7" creationId="{8DA5AEDA-D692-5068-59BC-FCE2ABB052F4}"/>
-          </ac:picMkLst>
-        </pc:picChg>
-        <pc:picChg chg="add del mod">
-          <ac:chgData name="Elias Medig" userId="30c2e7930a6ba8b5" providerId="LiveId" clId="{6C9A1214-9FF7-4CE5-8EF9-7236F1F587FB}" dt="2025-02-11T17:22:03.412" v="4761" actId="478"/>
-          <ac:picMkLst>
-            <pc:docMk/>
-            <pc:sldMk cId="2882867625" sldId="311"/>
-            <ac:picMk id="11" creationId="{E85594BF-0FC5-688B-B531-7233DECD4502}"/>
           </ac:picMkLst>
         </pc:picChg>
       </pc:sldChg>
@@ -869,7 +717,7 @@
         </pc:sldMkLst>
       </pc:sldChg>
       <pc:sldChg chg="addSp delSp modSp add mod">
-        <pc:chgData name="Elias Medig" userId="30c2e7930a6ba8b5" providerId="LiveId" clId="{6C9A1214-9FF7-4CE5-8EF9-7236F1F587FB}" dt="2025-02-11T20:07:02.939" v="7015" actId="14100"/>
+        <pc:chgData name="Elias Medig" userId="30c2e7930a6ba8b5" providerId="LiveId" clId="{6C9A1214-9FF7-4CE5-8EF9-7236F1F587FB}" dt="2025-02-13T12:49:55.263" v="7439" actId="404"/>
         <pc:sldMkLst>
           <pc:docMk/>
           <pc:sldMk cId="3540982976" sldId="313"/>
@@ -882,16 +730,8 @@
             <ac:spMk id="3" creationId="{AFBEA155-578C-CE83-7EFF-2CD0BA8EAE1A}"/>
           </ac:spMkLst>
         </pc:spChg>
-        <pc:spChg chg="add del mod">
-          <ac:chgData name="Elias Medig" userId="30c2e7930a6ba8b5" providerId="LiveId" clId="{6C9A1214-9FF7-4CE5-8EF9-7236F1F587FB}" dt="2025-02-11T17:20:39.471" v="4743" actId="478"/>
-          <ac:spMkLst>
-            <pc:docMk/>
-            <pc:sldMk cId="3540982976" sldId="313"/>
-            <ac:spMk id="7" creationId="{3EC6E741-BDFD-33D0-8175-43E4D4E0B00A}"/>
-          </ac:spMkLst>
-        </pc:spChg>
         <pc:spChg chg="add mod">
-          <ac:chgData name="Elias Medig" userId="30c2e7930a6ba8b5" providerId="LiveId" clId="{6C9A1214-9FF7-4CE5-8EF9-7236F1F587FB}" dt="2025-02-11T20:06:58.340" v="7014" actId="108"/>
+          <ac:chgData name="Elias Medig" userId="30c2e7930a6ba8b5" providerId="LiveId" clId="{6C9A1214-9FF7-4CE5-8EF9-7236F1F587FB}" dt="2025-02-13T12:49:55.263" v="7439" actId="404"/>
           <ac:spMkLst>
             <pc:docMk/>
             <pc:sldMk cId="3540982976" sldId="313"/>
@@ -906,22 +746,6 @@
             <ac:spMk id="9" creationId="{BA42DB8A-178F-BD65-2E39-F715F0873367}"/>
           </ac:spMkLst>
         </pc:spChg>
-        <pc:graphicFrameChg chg="add del mod modGraphic">
-          <ac:chgData name="Elias Medig" userId="30c2e7930a6ba8b5" providerId="LiveId" clId="{6C9A1214-9FF7-4CE5-8EF9-7236F1F587FB}" dt="2025-02-11T17:20:38.128" v="4742" actId="478"/>
-          <ac:graphicFrameMkLst>
-            <pc:docMk/>
-            <pc:sldMk cId="3540982976" sldId="313"/>
-            <ac:graphicFrameMk id="4" creationId="{CE75A51F-22D6-6AE7-2E8A-EC1E8B7FAFD1}"/>
-          </ac:graphicFrameMkLst>
-        </pc:graphicFrameChg>
-        <pc:picChg chg="del">
-          <ac:chgData name="Elias Medig" userId="30c2e7930a6ba8b5" providerId="LiveId" clId="{6C9A1214-9FF7-4CE5-8EF9-7236F1F587FB}" dt="2025-02-11T16:13:56.298" v="3051" actId="478"/>
-          <ac:picMkLst>
-            <pc:docMk/>
-            <pc:sldMk cId="3540982976" sldId="313"/>
-            <ac:picMk id="2" creationId="{79A55E95-6A04-39DD-418B-16E19A7AB6C0}"/>
-          </ac:picMkLst>
-        </pc:picChg>
         <pc:picChg chg="add mod">
           <ac:chgData name="Elias Medig" userId="30c2e7930a6ba8b5" providerId="LiveId" clId="{6C9A1214-9FF7-4CE5-8EF9-7236F1F587FB}" dt="2025-02-11T16:13:56.394" v="3052"/>
           <ac:picMkLst>
@@ -985,14 +809,6 @@
             <ac:spMk id="8" creationId="{D29DB18E-EF76-A272-1348-35DD0FDFB402}"/>
           </ac:spMkLst>
         </pc:spChg>
-        <pc:spChg chg="del mod">
-          <ac:chgData name="Elias Medig" userId="30c2e7930a6ba8b5" providerId="LiveId" clId="{6C9A1214-9FF7-4CE5-8EF9-7236F1F587FB}" dt="2025-02-11T16:30:38.317" v="3248" actId="478"/>
-          <ac:spMkLst>
-            <pc:docMk/>
-            <pc:sldMk cId="2848298294" sldId="314"/>
-            <ac:spMk id="9" creationId="{D1D9FBBD-7BE9-DB5C-328C-E28A58E3FA58}"/>
-          </ac:spMkLst>
-        </pc:spChg>
         <pc:spChg chg="add mod">
           <ac:chgData name="Elias Medig" userId="30c2e7930a6ba8b5" providerId="LiveId" clId="{6C9A1214-9FF7-4CE5-8EF9-7236F1F587FB}" dt="2025-02-11T16:36:54.329" v="3412" actId="1038"/>
           <ac:spMkLst>
@@ -1057,22 +873,6 @@
             <ac:spMk id="17" creationId="{F06A1BB8-E044-1BC5-62F5-1162E7EFBA64}"/>
           </ac:spMkLst>
         </pc:spChg>
-        <pc:spChg chg="add del mod">
-          <ac:chgData name="Elias Medig" userId="30c2e7930a6ba8b5" providerId="LiveId" clId="{6C9A1214-9FF7-4CE5-8EF9-7236F1F587FB}" dt="2025-02-11T16:37:30.450" v="3471"/>
-          <ac:spMkLst>
-            <pc:docMk/>
-            <pc:sldMk cId="2848298294" sldId="314"/>
-            <ac:spMk id="18" creationId="{D53C73EA-8619-83CC-DEA8-58E85F5D3591}"/>
-          </ac:spMkLst>
-        </pc:spChg>
-        <pc:spChg chg="add del mod">
-          <ac:chgData name="Elias Medig" userId="30c2e7930a6ba8b5" providerId="LiveId" clId="{6C9A1214-9FF7-4CE5-8EF9-7236F1F587FB}" dt="2025-02-11T16:39:18.060" v="3474"/>
-          <ac:spMkLst>
-            <pc:docMk/>
-            <pc:sldMk cId="2848298294" sldId="314"/>
-            <ac:spMk id="19" creationId="{7EFC9CCB-D1E4-1B5E-F14C-9D11A49BE3CF}"/>
-          </ac:spMkLst>
-        </pc:spChg>
         <pc:spChg chg="add mod">
           <ac:chgData name="Elias Medig" userId="30c2e7930a6ba8b5" providerId="LiveId" clId="{6C9A1214-9FF7-4CE5-8EF9-7236F1F587FB}" dt="2025-02-11T16:43:00.687" v="4018" actId="20577"/>
           <ac:spMkLst>
@@ -1081,14 +881,6 @@
             <ac:spMk id="20" creationId="{8DBD9828-DA2E-B1CB-9BA3-3518743EDE9D}"/>
           </ac:spMkLst>
         </pc:spChg>
-        <pc:picChg chg="del">
-          <ac:chgData name="Elias Medig" userId="30c2e7930a6ba8b5" providerId="LiveId" clId="{6C9A1214-9FF7-4CE5-8EF9-7236F1F587FB}" dt="2025-02-11T16:13:44.880" v="3043" actId="478"/>
-          <ac:picMkLst>
-            <pc:docMk/>
-            <pc:sldMk cId="2848298294" sldId="314"/>
-            <ac:picMk id="2" creationId="{693D22E6-0955-DB4C-6B3A-4648FF26F23E}"/>
-          </ac:picMkLst>
-        </pc:picChg>
         <pc:picChg chg="add mod">
           <ac:chgData name="Elias Medig" userId="30c2e7930a6ba8b5" providerId="LiveId" clId="{6C9A1214-9FF7-4CE5-8EF9-7236F1F587FB}" dt="2025-02-11T16:13:45.016" v="3044"/>
           <ac:picMkLst>
@@ -1112,22 +904,6 @@
             <ac:spMk id="3" creationId="{98EF5EB3-C2A7-F058-DAAE-749B9EC6182F}"/>
           </ac:spMkLst>
         </pc:spChg>
-        <pc:spChg chg="add del mod">
-          <ac:chgData name="Elias Medig" userId="30c2e7930a6ba8b5" providerId="LiveId" clId="{6C9A1214-9FF7-4CE5-8EF9-7236F1F587FB}" dt="2025-02-11T16:59:08.742" v="4360" actId="478"/>
-          <ac:spMkLst>
-            <pc:docMk/>
-            <pc:sldMk cId="2595741020" sldId="315"/>
-            <ac:spMk id="5" creationId="{5EF6F32B-0424-9CE4-9798-7D34219492D2}"/>
-          </ac:spMkLst>
-        </pc:spChg>
-        <pc:spChg chg="add del mod">
-          <ac:chgData name="Elias Medig" userId="30c2e7930a6ba8b5" providerId="LiveId" clId="{6C9A1214-9FF7-4CE5-8EF9-7236F1F587FB}" dt="2025-02-11T16:55:15.768" v="4327" actId="478"/>
-          <ac:spMkLst>
-            <pc:docMk/>
-            <pc:sldMk cId="2595741020" sldId="315"/>
-            <ac:spMk id="6" creationId="{FCB173AB-E5BD-A859-96CD-E273F2E27AA1}"/>
-          </ac:spMkLst>
-        </pc:spChg>
         <pc:spChg chg="mod">
           <ac:chgData name="Elias Medig" userId="30c2e7930a6ba8b5" providerId="LiveId" clId="{6C9A1214-9FF7-4CE5-8EF9-7236F1F587FB}" dt="2025-02-11T20:17:04.532" v="7206" actId="108"/>
           <ac:spMkLst>
@@ -1152,14 +928,6 @@
             <ac:spMk id="11" creationId="{88E2FA24-E8EF-F198-9013-955E90B5DCCD}"/>
           </ac:spMkLst>
         </pc:spChg>
-        <pc:spChg chg="add del mod">
-          <ac:chgData name="Elias Medig" userId="30c2e7930a6ba8b5" providerId="LiveId" clId="{6C9A1214-9FF7-4CE5-8EF9-7236F1F587FB}" dt="2025-02-11T17:00:27.994" v="4435"/>
-          <ac:spMkLst>
-            <pc:docMk/>
-            <pc:sldMk cId="2595741020" sldId="315"/>
-            <ac:spMk id="20" creationId="{2C1F1077-2A3C-452E-9418-413031D7631D}"/>
-          </ac:spMkLst>
-        </pc:spChg>
         <pc:spChg chg="add mod ord">
           <ac:chgData name="Elias Medig" userId="30c2e7930a6ba8b5" providerId="LiveId" clId="{6C9A1214-9FF7-4CE5-8EF9-7236F1F587FB}" dt="2025-02-11T17:00:37.773" v="4438" actId="14100"/>
           <ac:spMkLst>
@@ -1168,14 +936,6 @@
             <ac:spMk id="24" creationId="{BA6BB16B-0CAE-B053-2010-EEE0DD24CE27}"/>
           </ac:spMkLst>
         </pc:spChg>
-        <pc:picChg chg="del">
-          <ac:chgData name="Elias Medig" userId="30c2e7930a6ba8b5" providerId="LiveId" clId="{6C9A1214-9FF7-4CE5-8EF9-7236F1F587FB}" dt="2025-02-11T16:13:47.794" v="3045" actId="478"/>
-          <ac:picMkLst>
-            <pc:docMk/>
-            <pc:sldMk cId="2595741020" sldId="315"/>
-            <ac:picMk id="2" creationId="{32BE2674-7F2C-5186-306F-CAEC3EECD5E1}"/>
-          </ac:picMkLst>
-        </pc:picChg>
         <pc:picChg chg="add mod">
           <ac:chgData name="Elias Medig" userId="30c2e7930a6ba8b5" providerId="LiveId" clId="{6C9A1214-9FF7-4CE5-8EF9-7236F1F587FB}" dt="2025-02-11T16:13:47.893" v="3046"/>
           <ac:picMkLst>
@@ -1192,14 +952,6 @@
             <ac:picMk id="8" creationId="{4CF7FF16-3A2E-659F-D579-3D14D325CADE}"/>
           </ac:picMkLst>
         </pc:picChg>
-        <pc:cxnChg chg="add del mod">
-          <ac:chgData name="Elias Medig" userId="30c2e7930a6ba8b5" providerId="LiveId" clId="{6C9A1214-9FF7-4CE5-8EF9-7236F1F587FB}" dt="2025-02-11T16:58:39.418" v="4353" actId="11529"/>
-          <ac:cxnSpMkLst>
-            <pc:docMk/>
-            <pc:sldMk cId="2595741020" sldId="315"/>
-            <ac:cxnSpMk id="13" creationId="{748934E7-4305-8038-E56D-AF42515E0CAF}"/>
-          </ac:cxnSpMkLst>
-        </pc:cxnChg>
         <pc:cxnChg chg="add mod">
           <ac:chgData name="Elias Medig" userId="30c2e7930a6ba8b5" providerId="LiveId" clId="{6C9A1214-9FF7-4CE5-8EF9-7236F1F587FB}" dt="2025-02-11T20:17:12.762" v="7208" actId="14100"/>
           <ac:cxnSpMkLst>
@@ -1255,14 +1007,6 @@
             <ac:spMk id="9" creationId="{6946F308-DB5F-152E-6C76-DD6CFB67A8DF}"/>
           </ac:spMkLst>
         </pc:spChg>
-        <pc:picChg chg="del">
-          <ac:chgData name="Elias Medig" userId="30c2e7930a6ba8b5" providerId="LiveId" clId="{6C9A1214-9FF7-4CE5-8EF9-7236F1F587FB}" dt="2025-02-11T16:13:50.710" v="3047" actId="478"/>
-          <ac:picMkLst>
-            <pc:docMk/>
-            <pc:sldMk cId="531386141" sldId="316"/>
-            <ac:picMk id="2" creationId="{5272D2BD-3131-18C1-B166-D7B63260EA88}"/>
-          </ac:picMkLst>
-        </pc:picChg>
         <pc:picChg chg="add mod">
           <ac:chgData name="Elias Medig" userId="30c2e7930a6ba8b5" providerId="LiveId" clId="{6C9A1214-9FF7-4CE5-8EF9-7236F1F587FB}" dt="2025-02-11T16:13:50.838" v="3048"/>
           <ac:picMkLst>
@@ -1310,14 +1054,6 @@
             <ac:spMk id="7" creationId="{DDFA7A74-2431-73A2-E0F5-21B6587548C6}"/>
           </ac:spMkLst>
         </pc:spChg>
-        <pc:spChg chg="del mod">
-          <ac:chgData name="Elias Medig" userId="30c2e7930a6ba8b5" providerId="LiveId" clId="{6C9A1214-9FF7-4CE5-8EF9-7236F1F587FB}" dt="2025-02-11T18:58:21.589" v="5454" actId="478"/>
-          <ac:spMkLst>
-            <pc:docMk/>
-            <pc:sldMk cId="2368900619" sldId="317"/>
-            <ac:spMk id="9" creationId="{070F82E2-32BB-8D28-F684-EC0ED5012614}"/>
-          </ac:spMkLst>
-        </pc:spChg>
         <pc:spChg chg="add mod">
           <ac:chgData name="Elias Medig" userId="30c2e7930a6ba8b5" providerId="LiveId" clId="{6C9A1214-9FF7-4CE5-8EF9-7236F1F587FB}" dt="2025-02-11T18:59:56.552" v="5476" actId="14100"/>
           <ac:spMkLst>
@@ -1342,14 +1078,6 @@
             <ac:spMk id="22" creationId="{21607672-04C5-3052-1B8C-6014650BAB6F}"/>
           </ac:spMkLst>
         </pc:spChg>
-        <pc:picChg chg="del">
-          <ac:chgData name="Elias Medig" userId="30c2e7930a6ba8b5" providerId="LiveId" clId="{6C9A1214-9FF7-4CE5-8EF9-7236F1F587FB}" dt="2025-02-11T16:13:53.557" v="3049" actId="478"/>
-          <ac:picMkLst>
-            <pc:docMk/>
-            <pc:sldMk cId="2368900619" sldId="317"/>
-            <ac:picMk id="2" creationId="{B5EE184C-9CB0-9E7E-B76D-EAA1D12B6ECF}"/>
-          </ac:picMkLst>
-        </pc:picChg>
         <pc:picChg chg="add mod">
           <ac:chgData name="Elias Medig" userId="30c2e7930a6ba8b5" providerId="LiveId" clId="{6C9A1214-9FF7-4CE5-8EF9-7236F1F587FB}" dt="2025-02-11T16:13:53.667" v="3050"/>
           <ac:picMkLst>
@@ -1413,22 +1141,6 @@
             <ac:spMk id="5" creationId="{6759FAEF-C3E1-FB57-F8DD-B72A06B46602}"/>
           </ac:spMkLst>
         </pc:spChg>
-        <pc:spChg chg="del">
-          <ac:chgData name="Elias Medig" userId="30c2e7930a6ba8b5" providerId="LiveId" clId="{6C9A1214-9FF7-4CE5-8EF9-7236F1F587FB}" dt="2025-02-11T14:46:32.773" v="833" actId="478"/>
-          <ac:spMkLst>
-            <pc:docMk/>
-            <pc:sldMk cId="2306508277" sldId="318"/>
-            <ac:spMk id="6" creationId="{1432C8A2-81D1-FA02-B044-01624F7504CA}"/>
-          </ac:spMkLst>
-        </pc:spChg>
-        <pc:spChg chg="add del mod">
-          <ac:chgData name="Elias Medig" userId="30c2e7930a6ba8b5" providerId="LiveId" clId="{6C9A1214-9FF7-4CE5-8EF9-7236F1F587FB}" dt="2025-02-11T15:02:46.177" v="893" actId="26606"/>
-          <ac:spMkLst>
-            <pc:docMk/>
-            <pc:sldMk cId="2306508277" sldId="318"/>
-            <ac:spMk id="9" creationId="{AD58DD56-61D8-41E5-D9EE-E2151FC8A920}"/>
-          </ac:spMkLst>
-        </pc:spChg>
         <pc:spChg chg="add mod ord">
           <ac:chgData name="Elias Medig" userId="30c2e7930a6ba8b5" providerId="LiveId" clId="{6C9A1214-9FF7-4CE5-8EF9-7236F1F587FB}" dt="2025-02-11T16:12:34.082" v="3018" actId="14100"/>
           <ac:spMkLst>
@@ -1438,46 +1150,6 @@
           </ac:spMkLst>
         </pc:spChg>
         <pc:spChg chg="add mod">
-          <ac:chgData name="Elias Medig" userId="30c2e7930a6ba8b5" providerId="LiveId" clId="{6C9A1214-9FF7-4CE5-8EF9-7236F1F587FB}" dt="2025-02-11T16:01:34.323" v="2417"/>
-          <ac:spMkLst>
-            <pc:docMk/>
-            <pc:sldMk cId="2306508277" sldId="318"/>
-            <ac:spMk id="15" creationId="{168477D9-09EB-62E7-FE79-4770CFE903A8}"/>
-          </ac:spMkLst>
-        </pc:spChg>
-        <pc:spChg chg="add del mod">
-          <ac:chgData name="Elias Medig" userId="30c2e7930a6ba8b5" providerId="LiveId" clId="{6C9A1214-9FF7-4CE5-8EF9-7236F1F587FB}" dt="2025-02-11T15:02:39.957" v="886" actId="26606"/>
-          <ac:spMkLst>
-            <pc:docMk/>
-            <pc:sldMk cId="2306508277" sldId="318"/>
-            <ac:spMk id="1031" creationId="{2A393727-1B68-8A8A-2BA4-8E958A5D3448}"/>
-          </ac:spMkLst>
-        </pc:spChg>
-        <pc:spChg chg="add del mod">
-          <ac:chgData name="Elias Medig" userId="30c2e7930a6ba8b5" providerId="LiveId" clId="{6C9A1214-9FF7-4CE5-8EF9-7236F1F587FB}" dt="2025-02-11T15:02:42.742" v="888" actId="26606"/>
-          <ac:spMkLst>
-            <pc:docMk/>
-            <pc:sldMk cId="2306508277" sldId="318"/>
-            <ac:spMk id="1033" creationId="{35AE515B-A8C5-A1FA-4FD0-76083420989B}"/>
-          </ac:spMkLst>
-        </pc:spChg>
-        <pc:spChg chg="add del mod">
-          <ac:chgData name="Elias Medig" userId="30c2e7930a6ba8b5" providerId="LiveId" clId="{6C9A1214-9FF7-4CE5-8EF9-7236F1F587FB}" dt="2025-02-11T15:02:43.565" v="890" actId="26606"/>
-          <ac:spMkLst>
-            <pc:docMk/>
-            <pc:sldMk cId="2306508277" sldId="318"/>
-            <ac:spMk id="1035" creationId="{2A393727-1B68-8A8A-2BA4-8E958A5D3448}"/>
-          </ac:spMkLst>
-        </pc:spChg>
-        <pc:spChg chg="add del mod">
-          <ac:chgData name="Elias Medig" userId="30c2e7930a6ba8b5" providerId="LiveId" clId="{6C9A1214-9FF7-4CE5-8EF9-7236F1F587FB}" dt="2025-02-11T15:02:46.174" v="892" actId="26606"/>
-          <ac:spMkLst>
-            <pc:docMk/>
-            <pc:sldMk cId="2306508277" sldId="318"/>
-            <ac:spMk id="1037" creationId="{E28EBFD1-245D-28E9-E687-84695DE5C4E4}"/>
-          </ac:spMkLst>
-        </pc:spChg>
-        <pc:spChg chg="add mod">
           <ac:chgData name="Elias Medig" userId="30c2e7930a6ba8b5" providerId="LiveId" clId="{6C9A1214-9FF7-4CE5-8EF9-7236F1F587FB}" dt="2025-02-11T16:15:25.625" v="3070" actId="14100"/>
           <ac:spMkLst>
             <pc:docMk/>
@@ -1485,44 +1157,12 @@
             <ac:spMk id="1039" creationId="{2A393727-1B68-8A8A-2BA4-8E958A5D3448}"/>
           </ac:spMkLst>
         </pc:spChg>
-        <pc:picChg chg="del">
-          <ac:chgData name="Elias Medig" userId="30c2e7930a6ba8b5" providerId="LiveId" clId="{6C9A1214-9FF7-4CE5-8EF9-7236F1F587FB}" dt="2025-02-11T14:46:31.032" v="832" actId="478"/>
-          <ac:picMkLst>
-            <pc:docMk/>
-            <pc:sldMk cId="2306508277" sldId="318"/>
-            <ac:picMk id="4" creationId="{77E11BB7-26A5-2B93-0F0D-626C790C4447}"/>
-          </ac:picMkLst>
-        </pc:picChg>
-        <pc:picChg chg="del">
-          <ac:chgData name="Elias Medig" userId="30c2e7930a6ba8b5" providerId="LiveId" clId="{6C9A1214-9FF7-4CE5-8EF9-7236F1F587FB}" dt="2025-02-11T14:46:31.032" v="832" actId="478"/>
-          <ac:picMkLst>
-            <pc:docMk/>
-            <pc:sldMk cId="2306508277" sldId="318"/>
-            <ac:picMk id="8" creationId="{3E076F00-010E-E663-41EC-EF18E0DE832C}"/>
-          </ac:picMkLst>
-        </pc:picChg>
         <pc:picChg chg="add mod">
           <ac:chgData name="Elias Medig" userId="30c2e7930a6ba8b5" providerId="LiveId" clId="{6C9A1214-9FF7-4CE5-8EF9-7236F1F587FB}" dt="2025-02-11T16:20:20.826" v="3122" actId="1440"/>
           <ac:picMkLst>
             <pc:docMk/>
             <pc:sldMk cId="2306508277" sldId="318"/>
             <ac:picMk id="10" creationId="{A2F29811-A4E5-C3DC-FBF0-B0FD3188631D}"/>
-          </ac:picMkLst>
-        </pc:picChg>
-        <pc:picChg chg="del">
-          <ac:chgData name="Elias Medig" userId="30c2e7930a6ba8b5" providerId="LiveId" clId="{6C9A1214-9FF7-4CE5-8EF9-7236F1F587FB}" dt="2025-02-11T14:46:31.032" v="832" actId="478"/>
-          <ac:picMkLst>
-            <pc:docMk/>
-            <pc:sldMk cId="2306508277" sldId="318"/>
-            <ac:picMk id="11" creationId="{413FF03C-603A-9DAC-7FD7-03A35237D46F}"/>
-          </ac:picMkLst>
-        </pc:picChg>
-        <pc:picChg chg="add del mod">
-          <ac:chgData name="Elias Medig" userId="30c2e7930a6ba8b5" providerId="LiveId" clId="{6C9A1214-9FF7-4CE5-8EF9-7236F1F587FB}" dt="2025-02-11T16:13:34.290" v="3035" actId="478"/>
-          <ac:picMkLst>
-            <pc:docMk/>
-            <pc:sldMk cId="2306508277" sldId="318"/>
-            <ac:picMk id="16" creationId="{71A740B5-E7FF-6D45-1D1E-1BE8AA3A2FC6}"/>
           </ac:picMkLst>
         </pc:picChg>
         <pc:picChg chg="add mod">
@@ -1533,30 +1173,6 @@
             <ac:picMk id="17" creationId="{1F1A0C6E-1337-0A45-8807-8E4D60A5A281}"/>
           </ac:picMkLst>
         </pc:picChg>
-        <pc:picChg chg="add del mod">
-          <ac:chgData name="Elias Medig" userId="30c2e7930a6ba8b5" providerId="LiveId" clId="{6C9A1214-9FF7-4CE5-8EF9-7236F1F587FB}" dt="2025-02-11T15:11:30.975" v="1121" actId="478"/>
-          <ac:picMkLst>
-            <pc:docMk/>
-            <pc:sldMk cId="2306508277" sldId="318"/>
-            <ac:picMk id="1026" creationId="{32979F15-D0D1-B9F2-6B2C-B313F7D58FC1}"/>
-          </ac:picMkLst>
-        </pc:picChg>
-        <pc:cxnChg chg="del">
-          <ac:chgData name="Elias Medig" userId="30c2e7930a6ba8b5" providerId="LiveId" clId="{6C9A1214-9FF7-4CE5-8EF9-7236F1F587FB}" dt="2025-02-11T14:46:31.032" v="832" actId="478"/>
-          <ac:cxnSpMkLst>
-            <pc:docMk/>
-            <pc:sldMk cId="2306508277" sldId="318"/>
-            <ac:cxnSpMk id="13" creationId="{34241372-2ACE-7BC4-FC2D-0F5E6D1C67E1}"/>
-          </ac:cxnSpMkLst>
-        </pc:cxnChg>
-        <pc:cxnChg chg="del mod">
-          <ac:chgData name="Elias Medig" userId="30c2e7930a6ba8b5" providerId="LiveId" clId="{6C9A1214-9FF7-4CE5-8EF9-7236F1F587FB}" dt="2025-02-11T14:46:31.032" v="832" actId="478"/>
-          <ac:cxnSpMkLst>
-            <pc:docMk/>
-            <pc:sldMk cId="2306508277" sldId="318"/>
-            <ac:cxnSpMk id="14" creationId="{6005DAA9-20A5-65D9-7B75-C0DC3EC18E86}"/>
-          </ac:cxnSpMkLst>
-        </pc:cxnChg>
       </pc:sldChg>
       <pc:sldChg chg="delSp modSp add del mod">
         <pc:chgData name="Elias Medig" userId="30c2e7930a6ba8b5" providerId="LiveId" clId="{6C9A1214-9FF7-4CE5-8EF9-7236F1F587FB}" dt="2025-02-11T15:59:57.285" v="2396" actId="47"/>
@@ -1564,67 +1180,19 @@
           <pc:docMk/>
           <pc:sldMk cId="1635909996" sldId="319"/>
         </pc:sldMkLst>
-        <pc:spChg chg="mod">
-          <ac:chgData name="Elias Medig" userId="30c2e7930a6ba8b5" providerId="LiveId" clId="{6C9A1214-9FF7-4CE5-8EF9-7236F1F587FB}" dt="2025-02-11T15:45:26.745" v="2021" actId="20577"/>
-          <ac:spMkLst>
-            <pc:docMk/>
-            <pc:sldMk cId="1635909996" sldId="319"/>
-            <ac:spMk id="3" creationId="{E88CBBFB-D22B-20A9-1FB0-0DCA7AF16A0E}"/>
-          </ac:spMkLst>
-        </pc:spChg>
-        <pc:spChg chg="mod">
-          <ac:chgData name="Elias Medig" userId="30c2e7930a6ba8b5" providerId="LiveId" clId="{6C9A1214-9FF7-4CE5-8EF9-7236F1F587FB}" dt="2025-02-11T15:50:46.411" v="2130" actId="27636"/>
-          <ac:spMkLst>
-            <pc:docMk/>
-            <pc:sldMk cId="1635909996" sldId="319"/>
-            <ac:spMk id="9" creationId="{98168EFD-0A75-7B94-015C-6462D7821770}"/>
-          </ac:spMkLst>
-        </pc:spChg>
-        <pc:picChg chg="del mod">
-          <ac:chgData name="Elias Medig" userId="30c2e7930a6ba8b5" providerId="LiveId" clId="{6C9A1214-9FF7-4CE5-8EF9-7236F1F587FB}" dt="2025-02-11T15:24:30.500" v="1596" actId="478"/>
-          <ac:picMkLst>
-            <pc:docMk/>
-            <pc:sldMk cId="1635909996" sldId="319"/>
-            <ac:picMk id="5" creationId="{7AE037B7-DB07-3FAE-F06B-A6C008E5D197}"/>
-          </ac:picMkLst>
-        </pc:picChg>
       </pc:sldChg>
       <pc:sldChg chg="addSp delSp modSp add mod ord">
-        <pc:chgData name="Elias Medig" userId="30c2e7930a6ba8b5" providerId="LiveId" clId="{6C9A1214-9FF7-4CE5-8EF9-7236F1F587FB}" dt="2025-02-11T16:50:38.225" v="4261" actId="1038"/>
+        <pc:chgData name="Elias Medig" userId="30c2e7930a6ba8b5" providerId="LiveId" clId="{6C9A1214-9FF7-4CE5-8EF9-7236F1F587FB}" dt="2025-02-13T12:37:51.992" v="7418" actId="20577"/>
         <pc:sldMkLst>
           <pc:docMk/>
           <pc:sldMk cId="1385893551" sldId="320"/>
         </pc:sldMkLst>
         <pc:spChg chg="mod">
-          <ac:chgData name="Elias Medig" userId="30c2e7930a6ba8b5" providerId="LiveId" clId="{6C9A1214-9FF7-4CE5-8EF9-7236F1F587FB}" dt="2025-02-11T15:45:23.050" v="2019" actId="20577"/>
+          <ac:chgData name="Elias Medig" userId="30c2e7930a6ba8b5" providerId="LiveId" clId="{6C9A1214-9FF7-4CE5-8EF9-7236F1F587FB}" dt="2025-02-13T12:37:51.992" v="7418" actId="20577"/>
           <ac:spMkLst>
             <pc:docMk/>
             <pc:sldMk cId="1385893551" sldId="320"/>
             <ac:spMk id="3" creationId="{B5075EC0-282F-6D60-3A65-2E39EE0C5EAB}"/>
-          </ac:spMkLst>
-        </pc:spChg>
-        <pc:spChg chg="del mod">
-          <ac:chgData name="Elias Medig" userId="30c2e7930a6ba8b5" providerId="LiveId" clId="{6C9A1214-9FF7-4CE5-8EF9-7236F1F587FB}" dt="2025-02-11T15:28:18.317" v="1645" actId="478"/>
-          <ac:spMkLst>
-            <pc:docMk/>
-            <pc:sldMk cId="1385893551" sldId="320"/>
-            <ac:spMk id="9" creationId="{F143D37D-12CB-3F5A-F334-20263D7E1D42}"/>
-          </ac:spMkLst>
-        </pc:spChg>
-        <pc:spChg chg="add del mod">
-          <ac:chgData name="Elias Medig" userId="30c2e7930a6ba8b5" providerId="LiveId" clId="{6C9A1214-9FF7-4CE5-8EF9-7236F1F587FB}" dt="2025-02-11T15:28:20.617" v="1646" actId="478"/>
-          <ac:spMkLst>
-            <pc:docMk/>
-            <pc:sldMk cId="1385893551" sldId="320"/>
-            <ac:spMk id="10" creationId="{BA617A18-7B8E-E693-F84C-5C2E07D5519E}"/>
-          </ac:spMkLst>
-        </pc:spChg>
-        <pc:spChg chg="add del mod">
-          <ac:chgData name="Elias Medig" userId="30c2e7930a6ba8b5" providerId="LiveId" clId="{6C9A1214-9FF7-4CE5-8EF9-7236F1F587FB}" dt="2025-02-11T15:29:01.489" v="1655"/>
-          <ac:spMkLst>
-            <pc:docMk/>
-            <pc:sldMk cId="1385893551" sldId="320"/>
-            <ac:spMk id="11" creationId="{09E969AD-E7C6-BB51-5B55-B6EFDFBDDD27}"/>
           </ac:spMkLst>
         </pc:spChg>
         <pc:spChg chg="add mod">
@@ -1651,36 +1219,12 @@
             <ac:spMk id="15" creationId="{4627AF09-EF34-6DF4-DAF3-878850BB06E3}"/>
           </ac:spMkLst>
         </pc:spChg>
-        <pc:spChg chg="add del mod">
-          <ac:chgData name="Elias Medig" userId="30c2e7930a6ba8b5" providerId="LiveId" clId="{6C9A1214-9FF7-4CE5-8EF9-7236F1F587FB}" dt="2025-02-11T15:41:10.093" v="1951"/>
-          <ac:spMkLst>
-            <pc:docMk/>
-            <pc:sldMk cId="1385893551" sldId="320"/>
-            <ac:spMk id="16" creationId="{898A44DC-2B27-D93D-DCA3-6133353B7EC1}"/>
-          </ac:spMkLst>
-        </pc:spChg>
-        <pc:spChg chg="add del mod">
-          <ac:chgData name="Elias Medig" userId="30c2e7930a6ba8b5" providerId="LiveId" clId="{6C9A1214-9FF7-4CE5-8EF9-7236F1F587FB}" dt="2025-02-11T15:40:47.122" v="1935"/>
-          <ac:spMkLst>
-            <pc:docMk/>
-            <pc:sldMk cId="1385893551" sldId="320"/>
-            <ac:spMk id="17" creationId="{1B65743F-4427-5113-16FF-2AE9D851675F}"/>
-          </ac:spMkLst>
-        </pc:spChg>
         <pc:spChg chg="add mod ord">
           <ac:chgData name="Elias Medig" userId="30c2e7930a6ba8b5" providerId="LiveId" clId="{6C9A1214-9FF7-4CE5-8EF9-7236F1F587FB}" dt="2025-02-11T16:50:38.225" v="4261" actId="1038"/>
           <ac:spMkLst>
             <pc:docMk/>
             <pc:sldMk cId="1385893551" sldId="320"/>
             <ac:spMk id="18" creationId="{06289EAD-508D-D2C2-EDCB-8AF8EC615632}"/>
-          </ac:spMkLst>
-        </pc:spChg>
-        <pc:spChg chg="add del mod">
-          <ac:chgData name="Elias Medig" userId="30c2e7930a6ba8b5" providerId="LiveId" clId="{6C9A1214-9FF7-4CE5-8EF9-7236F1F587FB}" dt="2025-02-11T15:37:20.017" v="1864" actId="478"/>
-          <ac:spMkLst>
-            <pc:docMk/>
-            <pc:sldMk cId="1385893551" sldId="320"/>
-            <ac:spMk id="19" creationId="{5D659932-D771-239E-BFC6-EF0525F74DA6}"/>
           </ac:spMkLst>
         </pc:spChg>
         <pc:spChg chg="add mod">
@@ -1707,54 +1251,6 @@
             <ac:spMk id="26" creationId="{4E1BAE8D-ABDC-963D-2F37-3FC9B5052074}"/>
           </ac:spMkLst>
         </pc:spChg>
-        <pc:spChg chg="add del mod">
-          <ac:chgData name="Elias Medig" userId="30c2e7930a6ba8b5" providerId="LiveId" clId="{6C9A1214-9FF7-4CE5-8EF9-7236F1F587FB}" dt="2025-02-11T16:44:44.046" v="4092" actId="478"/>
-          <ac:spMkLst>
-            <pc:docMk/>
-            <pc:sldMk cId="1385893551" sldId="320"/>
-            <ac:spMk id="38" creationId="{F74ED513-4822-93B4-7837-D14C2679B4B0}"/>
-          </ac:spMkLst>
-        </pc:spChg>
-        <pc:spChg chg="add del mod">
-          <ac:chgData name="Elias Medig" userId="30c2e7930a6ba8b5" providerId="LiveId" clId="{6C9A1214-9FF7-4CE5-8EF9-7236F1F587FB}" dt="2025-02-11T15:43:29.040" v="1989" actId="478"/>
-          <ac:spMkLst>
-            <pc:docMk/>
-            <pc:sldMk cId="1385893551" sldId="320"/>
-            <ac:spMk id="39" creationId="{141D144F-3E0B-60E2-6A09-E75CCB1CD170}"/>
-          </ac:spMkLst>
-        </pc:spChg>
-        <pc:spChg chg="add del mod">
-          <ac:chgData name="Elias Medig" userId="30c2e7930a6ba8b5" providerId="LiveId" clId="{6C9A1214-9FF7-4CE5-8EF9-7236F1F587FB}" dt="2025-02-11T16:44:46.024" v="4093" actId="478"/>
-          <ac:spMkLst>
-            <pc:docMk/>
-            <pc:sldMk cId="1385893551" sldId="320"/>
-            <ac:spMk id="40" creationId="{A33A7F6E-3EDE-9877-EC04-F81382D6EFF5}"/>
-          </ac:spMkLst>
-        </pc:spChg>
-        <pc:spChg chg="add del mod">
-          <ac:chgData name="Elias Medig" userId="30c2e7930a6ba8b5" providerId="LiveId" clId="{6C9A1214-9FF7-4CE5-8EF9-7236F1F587FB}" dt="2025-02-11T16:44:47.005" v="4094" actId="478"/>
-          <ac:spMkLst>
-            <pc:docMk/>
-            <pc:sldMk cId="1385893551" sldId="320"/>
-            <ac:spMk id="41" creationId="{68DAF2C2-8417-9570-124A-C2E0AB1CBB9C}"/>
-          </ac:spMkLst>
-        </pc:spChg>
-        <pc:spChg chg="add del mod">
-          <ac:chgData name="Elias Medig" userId="30c2e7930a6ba8b5" providerId="LiveId" clId="{6C9A1214-9FF7-4CE5-8EF9-7236F1F587FB}" dt="2025-02-11T15:51:20.972" v="2142" actId="478"/>
-          <ac:spMkLst>
-            <pc:docMk/>
-            <pc:sldMk cId="1385893551" sldId="320"/>
-            <ac:spMk id="43" creationId="{34071E2A-DF17-3C40-DE56-FA670A75258B}"/>
-          </ac:spMkLst>
-        </pc:spChg>
-        <pc:spChg chg="add del mod">
-          <ac:chgData name="Elias Medig" userId="30c2e7930a6ba8b5" providerId="LiveId" clId="{6C9A1214-9FF7-4CE5-8EF9-7236F1F587FB}" dt="2025-02-11T15:51:22.882" v="2143" actId="478"/>
-          <ac:spMkLst>
-            <pc:docMk/>
-            <pc:sldMk cId="1385893551" sldId="320"/>
-            <ac:spMk id="45" creationId="{275F864E-E7E0-D494-4373-EE6C7A63FC60}"/>
-          </ac:spMkLst>
-        </pc:spChg>
         <pc:spChg chg="add mod">
           <ac:chgData name="Elias Medig" userId="30c2e7930a6ba8b5" providerId="LiveId" clId="{6C9A1214-9FF7-4CE5-8EF9-7236F1F587FB}" dt="2025-02-11T16:45:29.988" v="4097" actId="948"/>
           <ac:spMkLst>
@@ -1771,76 +1267,12 @@
             <ac:spMk id="57" creationId="{E416B431-4571-1354-8F1B-0C51C741AC2E}"/>
           </ac:spMkLst>
         </pc:spChg>
-        <pc:spChg chg="add mod">
-          <ac:chgData name="Elias Medig" userId="30c2e7930a6ba8b5" providerId="LiveId" clId="{6C9A1214-9FF7-4CE5-8EF9-7236F1F587FB}" dt="2025-02-11T16:44:02.860" v="4020" actId="571"/>
-          <ac:spMkLst>
-            <pc:docMk/>
-            <pc:sldMk cId="1385893551" sldId="320"/>
-            <ac:spMk id="71" creationId="{F1C2BF3B-870C-C246-8B7A-407CAF7C9B54}"/>
-          </ac:spMkLst>
-        </pc:spChg>
-        <pc:spChg chg="add mod">
-          <ac:chgData name="Elias Medig" userId="30c2e7930a6ba8b5" providerId="LiveId" clId="{6C9A1214-9FF7-4CE5-8EF9-7236F1F587FB}" dt="2025-02-11T16:44:02.860" v="4020" actId="571"/>
-          <ac:spMkLst>
-            <pc:docMk/>
-            <pc:sldMk cId="1385893551" sldId="320"/>
-            <ac:spMk id="72" creationId="{C2BC07FA-7BD3-3A4A-F000-5474CE27FD68}"/>
-          </ac:spMkLst>
-        </pc:spChg>
-        <pc:spChg chg="add mod">
-          <ac:chgData name="Elias Medig" userId="30c2e7930a6ba8b5" providerId="LiveId" clId="{6C9A1214-9FF7-4CE5-8EF9-7236F1F587FB}" dt="2025-02-11T16:44:02.860" v="4020" actId="571"/>
-          <ac:spMkLst>
-            <pc:docMk/>
-            <pc:sldMk cId="1385893551" sldId="320"/>
-            <ac:spMk id="73" creationId="{B854805F-4970-3428-ABA6-FF8392759063}"/>
-          </ac:spMkLst>
-        </pc:spChg>
-        <pc:spChg chg="add mod">
-          <ac:chgData name="Elias Medig" userId="30c2e7930a6ba8b5" providerId="LiveId" clId="{6C9A1214-9FF7-4CE5-8EF9-7236F1F587FB}" dt="2025-02-11T16:44:02.860" v="4020" actId="571"/>
-          <ac:spMkLst>
-            <pc:docMk/>
-            <pc:sldMk cId="1385893551" sldId="320"/>
-            <ac:spMk id="74" creationId="{C60C980C-22CE-D8C5-610B-4CBC372DDB5E}"/>
-          </ac:spMkLst>
-        </pc:spChg>
-        <pc:spChg chg="add del mod">
-          <ac:chgData name="Elias Medig" userId="30c2e7930a6ba8b5" providerId="LiveId" clId="{6C9A1214-9FF7-4CE5-8EF9-7236F1F587FB}" dt="2025-02-11T16:50:20.127" v="4237" actId="478"/>
-          <ac:spMkLst>
-            <pc:docMk/>
-            <pc:sldMk cId="1385893551" sldId="320"/>
-            <ac:spMk id="80" creationId="{95BDDBB1-9A87-F04A-09DE-73CF77BBACE1}"/>
-          </ac:spMkLst>
-        </pc:spChg>
-        <pc:picChg chg="del">
-          <ac:chgData name="Elias Medig" userId="30c2e7930a6ba8b5" providerId="LiveId" clId="{6C9A1214-9FF7-4CE5-8EF9-7236F1F587FB}" dt="2025-02-11T16:13:39.292" v="3039" actId="478"/>
-          <ac:picMkLst>
-            <pc:docMk/>
-            <pc:sldMk cId="1385893551" sldId="320"/>
-            <ac:picMk id="2" creationId="{CCB49C61-50D7-4603-B269-F31DC7421599}"/>
-          </ac:picMkLst>
-        </pc:picChg>
         <pc:picChg chg="add mod">
           <ac:chgData name="Elias Medig" userId="30c2e7930a6ba8b5" providerId="LiveId" clId="{6C9A1214-9FF7-4CE5-8EF9-7236F1F587FB}" dt="2025-02-11T16:50:38.225" v="4261" actId="1038"/>
           <ac:picMkLst>
             <pc:docMk/>
             <pc:sldMk cId="1385893551" sldId="320"/>
             <ac:picMk id="5" creationId="{7BCCF205-D161-774D-5542-EE5A0DFDC97B}"/>
-          </ac:picMkLst>
-        </pc:picChg>
-        <pc:picChg chg="add del mod">
-          <ac:chgData name="Elias Medig" userId="30c2e7930a6ba8b5" providerId="LiveId" clId="{6C9A1214-9FF7-4CE5-8EF9-7236F1F587FB}" dt="2025-02-11T15:37:36.140" v="1870" actId="478"/>
-          <ac:picMkLst>
-            <pc:docMk/>
-            <pc:sldMk cId="1385893551" sldId="320"/>
-            <ac:picMk id="6" creationId="{F68AA9CD-265B-15C1-6F40-D5FAE13AD3DE}"/>
-          </ac:picMkLst>
-        </pc:picChg>
-        <pc:picChg chg="add del mod">
-          <ac:chgData name="Elias Medig" userId="30c2e7930a6ba8b5" providerId="LiveId" clId="{6C9A1214-9FF7-4CE5-8EF9-7236F1F587FB}" dt="2025-02-11T15:37:35.790" v="1869" actId="478"/>
-          <ac:picMkLst>
-            <pc:docMk/>
-            <pc:sldMk cId="1385893551" sldId="320"/>
-            <ac:picMk id="7" creationId="{95A2A103-D5A5-4511-2933-29F266F0E870}"/>
           </ac:picMkLst>
         </pc:picChg>
         <pc:picChg chg="add mod">
@@ -1857,14 +1289,6 @@
             <pc:docMk/>
             <pc:sldMk cId="1385893551" sldId="320"/>
             <ac:picMk id="21" creationId="{51E82905-B95C-468F-D6AE-5471C1A409BB}"/>
-          </ac:picMkLst>
-        </pc:picChg>
-        <pc:picChg chg="add del mod">
-          <ac:chgData name="Elias Medig" userId="30c2e7930a6ba8b5" providerId="LiveId" clId="{6C9A1214-9FF7-4CE5-8EF9-7236F1F587FB}" dt="2025-02-11T15:38:33.545" v="1883" actId="478"/>
-          <ac:picMkLst>
-            <pc:docMk/>
-            <pc:sldMk cId="1385893551" sldId="320"/>
-            <ac:picMk id="22" creationId="{4B1AA2AB-5335-C732-E335-A2288D7DCED0}"/>
           </ac:picMkLst>
         </pc:picChg>
         <pc:picChg chg="add mod">
@@ -1922,14 +1346,6 @@
             <ac:spMk id="3" creationId="{DF79D9A3-CFD6-6E4D-7FEA-5AB63F860D33}"/>
           </ac:spMkLst>
         </pc:spChg>
-        <pc:spChg chg="add del mod">
-          <ac:chgData name="Elias Medig" userId="30c2e7930a6ba8b5" providerId="LiveId" clId="{6C9A1214-9FF7-4CE5-8EF9-7236F1F587FB}" dt="2025-02-11T19:19:29.940" v="5950" actId="478"/>
-          <ac:spMkLst>
-            <pc:docMk/>
-            <pc:sldMk cId="3425161780" sldId="321"/>
-            <ac:spMk id="6" creationId="{16DA318F-C4EC-4D4A-B271-4A730E93B3B9}"/>
-          </ac:spMkLst>
-        </pc:spChg>
         <pc:spChg chg="mod">
           <ac:chgData name="Elias Medig" userId="30c2e7930a6ba8b5" providerId="LiveId" clId="{6C9A1214-9FF7-4CE5-8EF9-7236F1F587FB}" dt="2025-02-11T20:08:48.828" v="7045" actId="20577"/>
           <ac:spMkLst>
@@ -1954,36 +1370,12 @@
             <ac:spMk id="12" creationId="{0EF8F48F-FEDC-5B38-DBD6-909576BE1585}"/>
           </ac:spMkLst>
         </pc:spChg>
-        <pc:graphicFrameChg chg="del modGraphic">
-          <ac:chgData name="Elias Medig" userId="30c2e7930a6ba8b5" providerId="LiveId" clId="{6C9A1214-9FF7-4CE5-8EF9-7236F1F587FB}" dt="2025-02-11T15:27:18.947" v="1628" actId="478"/>
-          <ac:graphicFrameMkLst>
-            <pc:docMk/>
-            <pc:sldMk cId="3425161780" sldId="321"/>
-            <ac:graphicFrameMk id="4" creationId="{AB49CA0E-5EBA-41A4-DEB0-A3C2A22A3358}"/>
-          </ac:graphicFrameMkLst>
-        </pc:graphicFrameChg>
-        <pc:picChg chg="del">
-          <ac:chgData name="Elias Medig" userId="30c2e7930a6ba8b5" providerId="LiveId" clId="{6C9A1214-9FF7-4CE5-8EF9-7236F1F587FB}" dt="2025-02-11T16:14:02.214" v="3053" actId="478"/>
-          <ac:picMkLst>
-            <pc:docMk/>
-            <pc:sldMk cId="3425161780" sldId="321"/>
-            <ac:picMk id="2" creationId="{E82B4255-8A36-0710-4042-89CDD78EAAB8}"/>
-          </ac:picMkLst>
-        </pc:picChg>
         <pc:picChg chg="add mod">
           <ac:chgData name="Elias Medig" userId="30c2e7930a6ba8b5" providerId="LiveId" clId="{6C9A1214-9FF7-4CE5-8EF9-7236F1F587FB}" dt="2025-02-11T16:14:02.340" v="3054"/>
           <ac:picMkLst>
             <pc:docMk/>
             <pc:sldMk cId="3425161780" sldId="321"/>
             <ac:picMk id="7" creationId="{4F224179-AB6E-6B40-E795-5422BFC1AAF1}"/>
-          </ac:picMkLst>
-        </pc:picChg>
-        <pc:picChg chg="add del mod ord">
-          <ac:chgData name="Elias Medig" userId="30c2e7930a6ba8b5" providerId="LiveId" clId="{6C9A1214-9FF7-4CE5-8EF9-7236F1F587FB}" dt="2025-02-11T19:19:14.032" v="5943" actId="478"/>
-          <ac:picMkLst>
-            <pc:docMk/>
-            <pc:sldMk cId="3425161780" sldId="321"/>
-            <ac:picMk id="10" creationId="{E0C816AF-6256-72CC-407B-B0A25CB74DF9}"/>
           </ac:picMkLst>
         </pc:picChg>
         <pc:picChg chg="add mod">
@@ -2003,98 +1395,18 @@
           </ac:cxnSpMkLst>
         </pc:cxnChg>
       </pc:sldChg>
-      <pc:sldChg chg="addSp delSp modSp add mod">
-        <pc:chgData name="Elias Medig" userId="30c2e7930a6ba8b5" providerId="LiveId" clId="{6C9A1214-9FF7-4CE5-8EF9-7236F1F587FB}" dt="2025-02-11T18:27:29.607" v="4965" actId="478"/>
+      <pc:sldChg chg="addSp delSp modSp add mod ord">
+        <pc:chgData name="Elias Medig" userId="30c2e7930a6ba8b5" providerId="LiveId" clId="{6C9A1214-9FF7-4CE5-8EF9-7236F1F587FB}" dt="2025-02-13T12:37:53.375" v="7421" actId="20578"/>
         <pc:sldMkLst>
           <pc:docMk/>
           <pc:sldMk cId="819681130" sldId="322"/>
         </pc:sldMkLst>
         <pc:spChg chg="mod">
-          <ac:chgData name="Elias Medig" userId="30c2e7930a6ba8b5" providerId="LiveId" clId="{6C9A1214-9FF7-4CE5-8EF9-7236F1F587FB}" dt="2025-02-11T16:11:45.598" v="3011" actId="20577"/>
+          <ac:chgData name="Elias Medig" userId="30c2e7930a6ba8b5" providerId="LiveId" clId="{6C9A1214-9FF7-4CE5-8EF9-7236F1F587FB}" dt="2025-02-13T12:37:52.950" v="7420" actId="20577"/>
           <ac:spMkLst>
             <pc:docMk/>
             <pc:sldMk cId="819681130" sldId="322"/>
             <ac:spMk id="3" creationId="{3E7BCFD7-BF9C-D6BD-344A-D9EDAC378B9B}"/>
-          </ac:spMkLst>
-        </pc:spChg>
-        <pc:spChg chg="add del mod">
-          <ac:chgData name="Elias Medig" userId="30c2e7930a6ba8b5" providerId="LiveId" clId="{6C9A1214-9FF7-4CE5-8EF9-7236F1F587FB}" dt="2025-02-11T16:15:09.494" v="3068" actId="478"/>
-          <ac:spMkLst>
-            <pc:docMk/>
-            <pc:sldMk cId="819681130" sldId="322"/>
-            <ac:spMk id="6" creationId="{D343417B-AB70-119E-2037-E17820E9F5C3}"/>
-          </ac:spMkLst>
-        </pc:spChg>
-        <pc:spChg chg="add del mod">
-          <ac:chgData name="Elias Medig" userId="30c2e7930a6ba8b5" providerId="LiveId" clId="{6C9A1214-9FF7-4CE5-8EF9-7236F1F587FB}" dt="2025-02-11T18:20:55.446" v="4806" actId="478"/>
-          <ac:spMkLst>
-            <pc:docMk/>
-            <pc:sldMk cId="819681130" sldId="322"/>
-            <ac:spMk id="7" creationId="{EF1C94C7-42F4-6FBA-CD3F-4D7F039B26A6}"/>
-          </ac:spMkLst>
-        </pc:spChg>
-        <pc:spChg chg="add del mod">
-          <ac:chgData name="Elias Medig" userId="30c2e7930a6ba8b5" providerId="LiveId" clId="{6C9A1214-9FF7-4CE5-8EF9-7236F1F587FB}" dt="2025-02-11T18:20:59.580" v="4807" actId="478"/>
-          <ac:spMkLst>
-            <pc:docMk/>
-            <pc:sldMk cId="819681130" sldId="322"/>
-            <ac:spMk id="11" creationId="{EAAAC9AB-DBF6-9AD0-A8EF-481828B6CC5A}"/>
-          </ac:spMkLst>
-        </pc:spChg>
-        <pc:spChg chg="del">
-          <ac:chgData name="Elias Medig" userId="30c2e7930a6ba8b5" providerId="LiveId" clId="{6C9A1214-9FF7-4CE5-8EF9-7236F1F587FB}" dt="2025-02-11T16:08:04.035" v="2556" actId="478"/>
-          <ac:spMkLst>
-            <pc:docMk/>
-            <pc:sldMk cId="819681130" sldId="322"/>
-            <ac:spMk id="13" creationId="{67724F47-F109-E777-A410-448D2F5B32DF}"/>
-          </ac:spMkLst>
-        </pc:spChg>
-        <pc:spChg chg="del">
-          <ac:chgData name="Elias Medig" userId="30c2e7930a6ba8b5" providerId="LiveId" clId="{6C9A1214-9FF7-4CE5-8EF9-7236F1F587FB}" dt="2025-02-11T16:08:04.035" v="2556" actId="478"/>
-          <ac:spMkLst>
-            <pc:docMk/>
-            <pc:sldMk cId="819681130" sldId="322"/>
-            <ac:spMk id="14" creationId="{07E64B33-50D7-F040-ABD8-DF9E29EFEE12}"/>
-          </ac:spMkLst>
-        </pc:spChg>
-        <pc:spChg chg="del">
-          <ac:chgData name="Elias Medig" userId="30c2e7930a6ba8b5" providerId="LiveId" clId="{6C9A1214-9FF7-4CE5-8EF9-7236F1F587FB}" dt="2025-02-11T16:08:04.035" v="2556" actId="478"/>
-          <ac:spMkLst>
-            <pc:docMk/>
-            <pc:sldMk cId="819681130" sldId="322"/>
-            <ac:spMk id="15" creationId="{11ADEA19-F725-4891-D0B2-C8A4EB0E33B3}"/>
-          </ac:spMkLst>
-        </pc:spChg>
-        <pc:spChg chg="del">
-          <ac:chgData name="Elias Medig" userId="30c2e7930a6ba8b5" providerId="LiveId" clId="{6C9A1214-9FF7-4CE5-8EF9-7236F1F587FB}" dt="2025-02-11T16:08:04.035" v="2556" actId="478"/>
-          <ac:spMkLst>
-            <pc:docMk/>
-            <pc:sldMk cId="819681130" sldId="322"/>
-            <ac:spMk id="18" creationId="{3BBE44A9-3F0A-E0EF-4322-5386B2DF1575}"/>
-          </ac:spMkLst>
-        </pc:spChg>
-        <pc:spChg chg="del">
-          <ac:chgData name="Elias Medig" userId="30c2e7930a6ba8b5" providerId="LiveId" clId="{6C9A1214-9FF7-4CE5-8EF9-7236F1F587FB}" dt="2025-02-11T16:08:04.035" v="2556" actId="478"/>
-          <ac:spMkLst>
-            <pc:docMk/>
-            <pc:sldMk cId="819681130" sldId="322"/>
-            <ac:spMk id="23" creationId="{D0D391CF-A972-6616-D670-FCA1B9B0C61C}"/>
-          </ac:spMkLst>
-        </pc:spChg>
-        <pc:spChg chg="del">
-          <ac:chgData name="Elias Medig" userId="30c2e7930a6ba8b5" providerId="LiveId" clId="{6C9A1214-9FF7-4CE5-8EF9-7236F1F587FB}" dt="2025-02-11T16:08:04.035" v="2556" actId="478"/>
-          <ac:spMkLst>
-            <pc:docMk/>
-            <pc:sldMk cId="819681130" sldId="322"/>
-            <ac:spMk id="24" creationId="{8B91DE0F-8C50-2CCC-6C8B-D67E38D741FC}"/>
-          </ac:spMkLst>
-        </pc:spChg>
-        <pc:spChg chg="del">
-          <ac:chgData name="Elias Medig" userId="30c2e7930a6ba8b5" providerId="LiveId" clId="{6C9A1214-9FF7-4CE5-8EF9-7236F1F587FB}" dt="2025-02-11T16:08:04.035" v="2556" actId="478"/>
-          <ac:spMkLst>
-            <pc:docMk/>
-            <pc:sldMk cId="819681130" sldId="322"/>
-            <ac:spMk id="26" creationId="{38FD1366-D104-44D4-95A1-69C997FC7530}"/>
           </ac:spMkLst>
         </pc:spChg>
         <pc:spChg chg="add mod">
@@ -2113,94 +1425,6 @@
             <ac:spMk id="30" creationId="{56DA4A2C-2AC2-B023-35FA-FB0211638D07}"/>
           </ac:spMkLst>
         </pc:spChg>
-        <pc:spChg chg="add del mod">
-          <ac:chgData name="Elias Medig" userId="30c2e7930a6ba8b5" providerId="LiveId" clId="{6C9A1214-9FF7-4CE5-8EF9-7236F1F587FB}" dt="2025-02-11T18:22:50.822" v="4834" actId="478"/>
-          <ac:spMkLst>
-            <pc:docMk/>
-            <pc:sldMk cId="819681130" sldId="322"/>
-            <ac:spMk id="31" creationId="{E3202FE3-8686-16C1-A99E-CBB6E5DC5ACF}"/>
-          </ac:spMkLst>
-        </pc:spChg>
-        <pc:spChg chg="add del mod">
-          <ac:chgData name="Elias Medig" userId="30c2e7930a6ba8b5" providerId="LiveId" clId="{6C9A1214-9FF7-4CE5-8EF9-7236F1F587FB}" dt="2025-02-11T18:22:52.904" v="4835" actId="478"/>
-          <ac:spMkLst>
-            <pc:docMk/>
-            <pc:sldMk cId="819681130" sldId="322"/>
-            <ac:spMk id="34" creationId="{A1758168-DB33-2E8B-CEBA-326045D7D344}"/>
-          </ac:spMkLst>
-        </pc:spChg>
-        <pc:spChg chg="add del mod">
-          <ac:chgData name="Elias Medig" userId="30c2e7930a6ba8b5" providerId="LiveId" clId="{6C9A1214-9FF7-4CE5-8EF9-7236F1F587FB}" dt="2025-02-11T18:27:27.469" v="4963" actId="478"/>
-          <ac:spMkLst>
-            <pc:docMk/>
-            <pc:sldMk cId="819681130" sldId="322"/>
-            <ac:spMk id="37" creationId="{E51D8965-1A64-7F99-B2DF-7E58CF8A8857}"/>
-          </ac:spMkLst>
-        </pc:spChg>
-        <pc:spChg chg="del">
-          <ac:chgData name="Elias Medig" userId="30c2e7930a6ba8b5" providerId="LiveId" clId="{6C9A1214-9FF7-4CE5-8EF9-7236F1F587FB}" dt="2025-02-11T16:08:04.035" v="2556" actId="478"/>
-          <ac:spMkLst>
-            <pc:docMk/>
-            <pc:sldMk cId="819681130" sldId="322"/>
-            <ac:spMk id="38" creationId="{42AE3F05-289F-4095-2132-743CE304A0AA}"/>
-          </ac:spMkLst>
-        </pc:spChg>
-        <pc:spChg chg="add del mod ord">
-          <ac:chgData name="Elias Medig" userId="30c2e7930a6ba8b5" providerId="LiveId" clId="{6C9A1214-9FF7-4CE5-8EF9-7236F1F587FB}" dt="2025-02-11T18:26:58.736" v="4955" actId="478"/>
-          <ac:spMkLst>
-            <pc:docMk/>
-            <pc:sldMk cId="819681130" sldId="322"/>
-            <ac:spMk id="39" creationId="{E4285673-049D-F3B0-1CCE-2F2154C8B1D4}"/>
-          </ac:spMkLst>
-        </pc:spChg>
-        <pc:spChg chg="del">
-          <ac:chgData name="Elias Medig" userId="30c2e7930a6ba8b5" providerId="LiveId" clId="{6C9A1214-9FF7-4CE5-8EF9-7236F1F587FB}" dt="2025-02-11T16:08:04.035" v="2556" actId="478"/>
-          <ac:spMkLst>
-            <pc:docMk/>
-            <pc:sldMk cId="819681130" sldId="322"/>
-            <ac:spMk id="40" creationId="{81052CFC-FD5D-E5B0-749B-E1CBDFCE5702}"/>
-          </ac:spMkLst>
-        </pc:spChg>
-        <pc:spChg chg="add del mod ord">
-          <ac:chgData name="Elias Medig" userId="30c2e7930a6ba8b5" providerId="LiveId" clId="{6C9A1214-9FF7-4CE5-8EF9-7236F1F587FB}" dt="2025-02-11T18:27:29.607" v="4965" actId="478"/>
-          <ac:spMkLst>
-            <pc:docMk/>
-            <pc:sldMk cId="819681130" sldId="322"/>
-            <ac:spMk id="42" creationId="{EF7AF081-B18E-0AA9-5433-2960BF67174C}"/>
-          </ac:spMkLst>
-        </pc:spChg>
-        <pc:spChg chg="add del mod">
-          <ac:chgData name="Elias Medig" userId="30c2e7930a6ba8b5" providerId="LiveId" clId="{6C9A1214-9FF7-4CE5-8EF9-7236F1F587FB}" dt="2025-02-11T18:27:28.704" v="4964" actId="478"/>
-          <ac:spMkLst>
-            <pc:docMk/>
-            <pc:sldMk cId="819681130" sldId="322"/>
-            <ac:spMk id="44" creationId="{598B3E92-15EE-7362-FB71-E3AB05B5E984}"/>
-          </ac:spMkLst>
-        </pc:spChg>
-        <pc:spChg chg="del mod">
-          <ac:chgData name="Elias Medig" userId="30c2e7930a6ba8b5" providerId="LiveId" clId="{6C9A1214-9FF7-4CE5-8EF9-7236F1F587FB}" dt="2025-02-11T16:14:56.863" v="3064" actId="478"/>
-          <ac:spMkLst>
-            <pc:docMk/>
-            <pc:sldMk cId="819681130" sldId="322"/>
-            <ac:spMk id="56" creationId="{1777DB3C-3AF8-4B8C-C5ED-9854B6EF5197}"/>
-          </ac:spMkLst>
-        </pc:spChg>
-        <pc:spChg chg="del">
-          <ac:chgData name="Elias Medig" userId="30c2e7930a6ba8b5" providerId="LiveId" clId="{6C9A1214-9FF7-4CE5-8EF9-7236F1F587FB}" dt="2025-02-11T16:08:04.035" v="2556" actId="478"/>
-          <ac:spMkLst>
-            <pc:docMk/>
-            <pc:sldMk cId="819681130" sldId="322"/>
-            <ac:spMk id="57" creationId="{F544B05C-7E6C-0956-F810-AFA2905F2005}"/>
-          </ac:spMkLst>
-        </pc:spChg>
-        <pc:picChg chg="del">
-          <ac:chgData name="Elias Medig" userId="30c2e7930a6ba8b5" providerId="LiveId" clId="{6C9A1214-9FF7-4CE5-8EF9-7236F1F587FB}" dt="2025-02-11T16:13:41.717" v="3041" actId="478"/>
-          <ac:picMkLst>
-            <pc:docMk/>
-            <pc:sldMk cId="819681130" sldId="322"/>
-            <ac:picMk id="2" creationId="{1A1E6807-F3F9-C71E-6264-4168C8AE0950}"/>
-          </ac:picMkLst>
-        </pc:picChg>
         <pc:picChg chg="add mod">
           <ac:chgData name="Elias Medig" userId="30c2e7930a6ba8b5" providerId="LiveId" clId="{6C9A1214-9FF7-4CE5-8EF9-7236F1F587FB}" dt="2025-02-11T16:13:41.818" v="3042"/>
           <ac:picMkLst>
@@ -2242,171 +1466,19 @@
         </pc:sldMkLst>
       </pc:sldChg>
       <pc:sldChg chg="addSp delSp modSp add mod">
-        <pc:chgData name="Elias Medig" userId="30c2e7930a6ba8b5" providerId="LiveId" clId="{6C9A1214-9FF7-4CE5-8EF9-7236F1F587FB}" dt="2025-02-11T18:54:06.055" v="5451" actId="1076"/>
+        <pc:chgData name="Elias Medig" userId="30c2e7930a6ba8b5" providerId="LiveId" clId="{6C9A1214-9FF7-4CE5-8EF9-7236F1F587FB}" dt="2025-02-13T12:05:07.081" v="7400" actId="20577"/>
         <pc:sldMkLst>
           <pc:docMk/>
           <pc:sldMk cId="799315724" sldId="323"/>
         </pc:sldMkLst>
         <pc:spChg chg="mod">
-          <ac:chgData name="Elias Medig" userId="30c2e7930a6ba8b5" providerId="LiveId" clId="{6C9A1214-9FF7-4CE5-8EF9-7236F1F587FB}" dt="2025-02-11T16:51:47.285" v="4279" actId="20577"/>
+          <ac:chgData name="Elias Medig" userId="30c2e7930a6ba8b5" providerId="LiveId" clId="{6C9A1214-9FF7-4CE5-8EF9-7236F1F587FB}" dt="2025-02-13T12:05:07.081" v="7400" actId="20577"/>
           <ac:spMkLst>
             <pc:docMk/>
             <pc:sldMk cId="799315724" sldId="323"/>
             <ac:spMk id="3" creationId="{FDA9387F-64D1-90DC-ABF9-5403AF16B453}"/>
           </ac:spMkLst>
         </pc:spChg>
-        <pc:spChg chg="del mod">
-          <ac:chgData name="Elias Medig" userId="30c2e7930a6ba8b5" providerId="LiveId" clId="{6C9A1214-9FF7-4CE5-8EF9-7236F1F587FB}" dt="2025-02-11T16:51:43.937" v="4277" actId="478"/>
-          <ac:spMkLst>
-            <pc:docMk/>
-            <pc:sldMk cId="799315724" sldId="323"/>
-            <ac:spMk id="6" creationId="{FCF3570F-BDBD-ECC8-3AA0-2D00727BDEDB}"/>
-          </ac:spMkLst>
-        </pc:spChg>
-        <pc:spChg chg="del mod">
-          <ac:chgData name="Elias Medig" userId="30c2e7930a6ba8b5" providerId="LiveId" clId="{6C9A1214-9FF7-4CE5-8EF9-7236F1F587FB}" dt="2025-02-11T16:51:43.937" v="4277" actId="478"/>
-          <ac:spMkLst>
-            <pc:docMk/>
-            <pc:sldMk cId="799315724" sldId="323"/>
-            <ac:spMk id="7" creationId="{54F4217C-6A58-2F23-7059-C39663CFF4C0}"/>
-          </ac:spMkLst>
-        </pc:spChg>
-        <pc:spChg chg="del mod">
-          <ac:chgData name="Elias Medig" userId="30c2e7930a6ba8b5" providerId="LiveId" clId="{6C9A1214-9FF7-4CE5-8EF9-7236F1F587FB}" dt="2025-02-11T16:51:43.937" v="4277" actId="478"/>
-          <ac:spMkLst>
-            <pc:docMk/>
-            <pc:sldMk cId="799315724" sldId="323"/>
-            <ac:spMk id="8" creationId="{B202F0C5-4DA0-EAEE-F8F8-A69B99363978}"/>
-          </ac:spMkLst>
-        </pc:spChg>
-        <pc:spChg chg="add del mod">
-          <ac:chgData name="Elias Medig" userId="30c2e7930a6ba8b5" providerId="LiveId" clId="{6C9A1214-9FF7-4CE5-8EF9-7236F1F587FB}" dt="2025-02-11T16:51:18.955" v="4271" actId="478"/>
-          <ac:spMkLst>
-            <pc:docMk/>
-            <pc:sldMk cId="799315724" sldId="323"/>
-            <ac:spMk id="9" creationId="{A70AF4E4-DE93-B3F7-E4B9-0D2969CAB13E}"/>
-          </ac:spMkLst>
-        </pc:spChg>
-        <pc:spChg chg="del mod">
-          <ac:chgData name="Elias Medig" userId="30c2e7930a6ba8b5" providerId="LiveId" clId="{6C9A1214-9FF7-4CE5-8EF9-7236F1F587FB}" dt="2025-02-11T16:51:43.937" v="4277" actId="478"/>
-          <ac:spMkLst>
-            <pc:docMk/>
-            <pc:sldMk cId="799315724" sldId="323"/>
-            <ac:spMk id="10" creationId="{CCCDBB0C-8799-653E-EB2D-1FBDAD6B1762}"/>
-          </ac:spMkLst>
-        </pc:spChg>
-        <pc:spChg chg="del mod">
-          <ac:chgData name="Elias Medig" userId="30c2e7930a6ba8b5" providerId="LiveId" clId="{6C9A1214-9FF7-4CE5-8EF9-7236F1F587FB}" dt="2025-02-11T16:51:43.937" v="4277" actId="478"/>
-          <ac:spMkLst>
-            <pc:docMk/>
-            <pc:sldMk cId="799315724" sldId="323"/>
-            <ac:spMk id="11" creationId="{CF385B41-E05D-B371-9CE7-C7026F48185E}"/>
-          </ac:spMkLst>
-        </pc:spChg>
-        <pc:spChg chg="del mod">
-          <ac:chgData name="Elias Medig" userId="30c2e7930a6ba8b5" providerId="LiveId" clId="{6C9A1214-9FF7-4CE5-8EF9-7236F1F587FB}" dt="2025-02-11T16:51:43.937" v="4277" actId="478"/>
-          <ac:spMkLst>
-            <pc:docMk/>
-            <pc:sldMk cId="799315724" sldId="323"/>
-            <ac:spMk id="12" creationId="{6FCB1BA4-4DE4-0A6C-097A-27EFC37C0DD1}"/>
-          </ac:spMkLst>
-        </pc:spChg>
-        <pc:spChg chg="del mod">
-          <ac:chgData name="Elias Medig" userId="30c2e7930a6ba8b5" providerId="LiveId" clId="{6C9A1214-9FF7-4CE5-8EF9-7236F1F587FB}" dt="2025-02-11T16:51:43.937" v="4277" actId="478"/>
-          <ac:spMkLst>
-            <pc:docMk/>
-            <pc:sldMk cId="799315724" sldId="323"/>
-            <ac:spMk id="13" creationId="{CC200CD9-BCB8-CEE1-8F2D-7E2A533F2C52}"/>
-          </ac:spMkLst>
-        </pc:spChg>
-        <pc:spChg chg="del mod">
-          <ac:chgData name="Elias Medig" userId="30c2e7930a6ba8b5" providerId="LiveId" clId="{6C9A1214-9FF7-4CE5-8EF9-7236F1F587FB}" dt="2025-02-11T16:51:43.937" v="4277" actId="478"/>
-          <ac:spMkLst>
-            <pc:docMk/>
-            <pc:sldMk cId="799315724" sldId="323"/>
-            <ac:spMk id="15" creationId="{E14CD893-F641-A2BC-88C2-B6B4E43FF684}"/>
-          </ac:spMkLst>
-        </pc:spChg>
-        <pc:spChg chg="del mod">
-          <ac:chgData name="Elias Medig" userId="30c2e7930a6ba8b5" providerId="LiveId" clId="{6C9A1214-9FF7-4CE5-8EF9-7236F1F587FB}" dt="2025-02-11T16:51:43.937" v="4277" actId="478"/>
-          <ac:spMkLst>
-            <pc:docMk/>
-            <pc:sldMk cId="799315724" sldId="323"/>
-            <ac:spMk id="16" creationId="{B94CE7F8-F337-2237-C8E8-1C5D9A270C8F}"/>
-          </ac:spMkLst>
-        </pc:spChg>
-        <pc:spChg chg="del mod">
-          <ac:chgData name="Elias Medig" userId="30c2e7930a6ba8b5" providerId="LiveId" clId="{6C9A1214-9FF7-4CE5-8EF9-7236F1F587FB}" dt="2025-02-11T16:51:43.937" v="4277" actId="478"/>
-          <ac:spMkLst>
-            <pc:docMk/>
-            <pc:sldMk cId="799315724" sldId="323"/>
-            <ac:spMk id="17" creationId="{2848D3C0-A699-590D-3553-FF09E959E90F}"/>
-          </ac:spMkLst>
-        </pc:spChg>
-        <pc:spChg chg="add del mod">
-          <ac:chgData name="Elias Medig" userId="30c2e7930a6ba8b5" providerId="LiveId" clId="{6C9A1214-9FF7-4CE5-8EF9-7236F1F587FB}" dt="2025-02-11T18:45:27.222" v="5241" actId="478"/>
-          <ac:spMkLst>
-            <pc:docMk/>
-            <pc:sldMk cId="799315724" sldId="323"/>
-            <ac:spMk id="18" creationId="{F3DB3BCB-1BAE-A469-A25D-865444517D55}"/>
-          </ac:spMkLst>
-        </pc:spChg>
-        <pc:spChg chg="add del mod">
-          <ac:chgData name="Elias Medig" userId="30c2e7930a6ba8b5" providerId="LiveId" clId="{6C9A1214-9FF7-4CE5-8EF9-7236F1F587FB}" dt="2025-02-11T18:45:31.063" v="5243" actId="478"/>
-          <ac:spMkLst>
-            <pc:docMk/>
-            <pc:sldMk cId="799315724" sldId="323"/>
-            <ac:spMk id="19" creationId="{6AEC288D-BAAA-2717-8981-D90E94FEC47E}"/>
-          </ac:spMkLst>
-        </pc:spChg>
-        <pc:spChg chg="del">
-          <ac:chgData name="Elias Medig" userId="30c2e7930a6ba8b5" providerId="LiveId" clId="{6C9A1214-9FF7-4CE5-8EF9-7236F1F587FB}" dt="2025-02-11T16:51:17.316" v="4270" actId="478"/>
-          <ac:spMkLst>
-            <pc:docMk/>
-            <pc:sldMk cId="799315724" sldId="323"/>
-            <ac:spMk id="20" creationId="{BFF62E78-5E94-49FA-053C-112BE6E48B71}"/>
-          </ac:spMkLst>
-        </pc:spChg>
-        <pc:spChg chg="add del mod">
-          <ac:chgData name="Elias Medig" userId="30c2e7930a6ba8b5" providerId="LiveId" clId="{6C9A1214-9FF7-4CE5-8EF9-7236F1F587FB}" dt="2025-02-11T18:45:36.188" v="5246" actId="478"/>
-          <ac:spMkLst>
-            <pc:docMk/>
-            <pc:sldMk cId="799315724" sldId="323"/>
-            <ac:spMk id="29" creationId="{C79F6871-6142-0328-7446-52C1BB528D1A}"/>
-          </ac:spMkLst>
-        </pc:spChg>
-        <pc:spChg chg="add del mod">
-          <ac:chgData name="Elias Medig" userId="30c2e7930a6ba8b5" providerId="LiveId" clId="{6C9A1214-9FF7-4CE5-8EF9-7236F1F587FB}" dt="2025-02-11T18:45:34.850" v="5245" actId="478"/>
-          <ac:spMkLst>
-            <pc:docMk/>
-            <pc:sldMk cId="799315724" sldId="323"/>
-            <ac:spMk id="30" creationId="{711285E3-3A75-DF8E-F4AB-47104AA832F6}"/>
-          </ac:spMkLst>
-        </pc:spChg>
-        <pc:picChg chg="add del mod">
-          <ac:chgData name="Elias Medig" userId="30c2e7930a6ba8b5" providerId="LiveId" clId="{6C9A1214-9FF7-4CE5-8EF9-7236F1F587FB}" dt="2025-02-11T18:45:09.036" v="5231" actId="478"/>
-          <ac:picMkLst>
-            <pc:docMk/>
-            <pc:sldMk cId="799315724" sldId="323"/>
-            <ac:picMk id="22" creationId="{20BD6A9B-A6C0-8926-817D-25F97B96E14F}"/>
-          </ac:picMkLst>
-        </pc:picChg>
-        <pc:picChg chg="add del mod">
-          <ac:chgData name="Elias Medig" userId="30c2e7930a6ba8b5" providerId="LiveId" clId="{6C9A1214-9FF7-4CE5-8EF9-7236F1F587FB}" dt="2025-02-11T18:49:26.793" v="5262" actId="478"/>
-          <ac:picMkLst>
-            <pc:docMk/>
-            <pc:sldMk cId="799315724" sldId="323"/>
-            <ac:picMk id="25" creationId="{7D9AD1F0-BB0B-3262-F5EB-D24684538F58}"/>
-          </ac:picMkLst>
-        </pc:picChg>
-        <pc:picChg chg="add del mod">
-          <ac:chgData name="Elias Medig" userId="30c2e7930a6ba8b5" providerId="LiveId" clId="{6C9A1214-9FF7-4CE5-8EF9-7236F1F587FB}" dt="2025-02-11T18:49:26.496" v="5261" actId="478"/>
-          <ac:picMkLst>
-            <pc:docMk/>
-            <pc:sldMk cId="799315724" sldId="323"/>
-            <ac:picMk id="27" creationId="{66F96683-3AFD-6B1D-EAC7-AAB19FA5DEB3}"/>
-          </ac:picMkLst>
-        </pc:picChg>
         <pc:picChg chg="add mod">
           <ac:chgData name="Elias Medig" userId="30c2e7930a6ba8b5" providerId="LiveId" clId="{6C9A1214-9FF7-4CE5-8EF9-7236F1F587FB}" dt="2025-02-11T18:54:06.055" v="5451" actId="1076"/>
           <ac:picMkLst>
@@ -2415,14 +1487,6 @@
             <ac:picMk id="31" creationId="{CF0B6CBB-B29C-0B19-5126-D5125C5EC86D}"/>
           </ac:picMkLst>
         </pc:picChg>
-        <pc:cxnChg chg="add del mod">
-          <ac:chgData name="Elias Medig" userId="30c2e7930a6ba8b5" providerId="LiveId" clId="{6C9A1214-9FF7-4CE5-8EF9-7236F1F587FB}" dt="2025-02-11T18:45:36.188" v="5246" actId="478"/>
-          <ac:cxnSpMkLst>
-            <pc:docMk/>
-            <pc:sldMk cId="799315724" sldId="323"/>
-            <ac:cxnSpMk id="23" creationId="{9A54F817-C28E-4A84-BA8B-C803D132C03B}"/>
-          </ac:cxnSpMkLst>
-        </pc:cxnChg>
       </pc:sldChg>
       <pc:sldChg chg="addSp delSp modSp add del mod">
         <pc:chgData name="Elias Medig" userId="30c2e7930a6ba8b5" providerId="LiveId" clId="{6C9A1214-9FF7-4CE5-8EF9-7236F1F587FB}" dt="2025-02-11T16:51:12.790" v="4268" actId="47"/>
@@ -2430,94 +1494,6 @@
           <pc:docMk/>
           <pc:sldMk cId="1345038325" sldId="323"/>
         </pc:sldMkLst>
-        <pc:spChg chg="del">
-          <ac:chgData name="Elias Medig" userId="30c2e7930a6ba8b5" providerId="LiveId" clId="{6C9A1214-9FF7-4CE5-8EF9-7236F1F587FB}" dt="2025-02-11T16:51:02.364" v="4265" actId="478"/>
-          <ac:spMkLst>
-            <pc:docMk/>
-            <pc:sldMk cId="1345038325" sldId="323"/>
-            <ac:spMk id="5" creationId="{008BA1CD-2C9B-4EBB-344A-57B19006D56B}"/>
-          </ac:spMkLst>
-        </pc:spChg>
-        <pc:spChg chg="del">
-          <ac:chgData name="Elias Medig" userId="30c2e7930a6ba8b5" providerId="LiveId" clId="{6C9A1214-9FF7-4CE5-8EF9-7236F1F587FB}" dt="2025-02-11T16:51:02.364" v="4265" actId="478"/>
-          <ac:spMkLst>
-            <pc:docMk/>
-            <pc:sldMk cId="1345038325" sldId="323"/>
-            <ac:spMk id="6" creationId="{6AD679DD-36FC-FA11-AA65-92BDA2AB16CD}"/>
-          </ac:spMkLst>
-        </pc:spChg>
-        <pc:spChg chg="del">
-          <ac:chgData name="Elias Medig" userId="30c2e7930a6ba8b5" providerId="LiveId" clId="{6C9A1214-9FF7-4CE5-8EF9-7236F1F587FB}" dt="2025-02-11T16:51:02.364" v="4265" actId="478"/>
-          <ac:spMkLst>
-            <pc:docMk/>
-            <pc:sldMk cId="1345038325" sldId="323"/>
-            <ac:spMk id="7" creationId="{E1961858-73E2-B762-D893-CB79956DA450}"/>
-          </ac:spMkLst>
-        </pc:spChg>
-        <pc:spChg chg="add del mod">
-          <ac:chgData name="Elias Medig" userId="30c2e7930a6ba8b5" providerId="LiveId" clId="{6C9A1214-9FF7-4CE5-8EF9-7236F1F587FB}" dt="2025-02-11T16:51:04.810" v="4266" actId="478"/>
-          <ac:spMkLst>
-            <pc:docMk/>
-            <pc:sldMk cId="1345038325" sldId="323"/>
-            <ac:spMk id="9" creationId="{6F9C9F7A-438B-24FD-3C3C-5717C86EE54E}"/>
-          </ac:spMkLst>
-        </pc:spChg>
-        <pc:spChg chg="del">
-          <ac:chgData name="Elias Medig" userId="30c2e7930a6ba8b5" providerId="LiveId" clId="{6C9A1214-9FF7-4CE5-8EF9-7236F1F587FB}" dt="2025-02-11T16:51:02.364" v="4265" actId="478"/>
-          <ac:spMkLst>
-            <pc:docMk/>
-            <pc:sldMk cId="1345038325" sldId="323"/>
-            <ac:spMk id="12" creationId="{8C5E40A4-E4B7-ED37-E7B3-DA9A02996187}"/>
-          </ac:spMkLst>
-        </pc:spChg>
-        <pc:spChg chg="del">
-          <ac:chgData name="Elias Medig" userId="30c2e7930a6ba8b5" providerId="LiveId" clId="{6C9A1214-9FF7-4CE5-8EF9-7236F1F587FB}" dt="2025-02-11T16:51:02.364" v="4265" actId="478"/>
-          <ac:spMkLst>
-            <pc:docMk/>
-            <pc:sldMk cId="1345038325" sldId="323"/>
-            <ac:spMk id="13" creationId="{1B8B5DDF-5349-7A2F-4F0C-4DE199088720}"/>
-          </ac:spMkLst>
-        </pc:spChg>
-        <pc:spChg chg="del">
-          <ac:chgData name="Elias Medig" userId="30c2e7930a6ba8b5" providerId="LiveId" clId="{6C9A1214-9FF7-4CE5-8EF9-7236F1F587FB}" dt="2025-02-11T16:51:05.427" v="4267" actId="478"/>
-          <ac:spMkLst>
-            <pc:docMk/>
-            <pc:sldMk cId="1345038325" sldId="323"/>
-            <ac:spMk id="14" creationId="{58722B9C-774A-7BBC-98C1-1874034527D5}"/>
-          </ac:spMkLst>
-        </pc:spChg>
-        <pc:spChg chg="del">
-          <ac:chgData name="Elias Medig" userId="30c2e7930a6ba8b5" providerId="LiveId" clId="{6C9A1214-9FF7-4CE5-8EF9-7236F1F587FB}" dt="2025-02-11T16:51:02.364" v="4265" actId="478"/>
-          <ac:spMkLst>
-            <pc:docMk/>
-            <pc:sldMk cId="1345038325" sldId="323"/>
-            <ac:spMk id="15" creationId="{20F7A491-74F1-4B2A-6D55-510D6A27E34E}"/>
-          </ac:spMkLst>
-        </pc:spChg>
-        <pc:spChg chg="del">
-          <ac:chgData name="Elias Medig" userId="30c2e7930a6ba8b5" providerId="LiveId" clId="{6C9A1214-9FF7-4CE5-8EF9-7236F1F587FB}" dt="2025-02-11T16:51:02.364" v="4265" actId="478"/>
-          <ac:spMkLst>
-            <pc:docMk/>
-            <pc:sldMk cId="1345038325" sldId="323"/>
-            <ac:spMk id="16" creationId="{8CC32E4E-24B1-0E79-36E3-D6437BB41792}"/>
-          </ac:spMkLst>
-        </pc:spChg>
-        <pc:spChg chg="del">
-          <ac:chgData name="Elias Medig" userId="30c2e7930a6ba8b5" providerId="LiveId" clId="{6C9A1214-9FF7-4CE5-8EF9-7236F1F587FB}" dt="2025-02-11T16:51:02.364" v="4265" actId="478"/>
-          <ac:spMkLst>
-            <pc:docMk/>
-            <pc:sldMk cId="1345038325" sldId="323"/>
-            <ac:spMk id="17" creationId="{B355E780-217E-CA91-79D3-EE0F1CE1E331}"/>
-          </ac:spMkLst>
-        </pc:spChg>
-        <pc:spChg chg="del">
-          <ac:chgData name="Elias Medig" userId="30c2e7930a6ba8b5" providerId="LiveId" clId="{6C9A1214-9FF7-4CE5-8EF9-7236F1F587FB}" dt="2025-02-11T16:51:02.364" v="4265" actId="478"/>
-          <ac:spMkLst>
-            <pc:docMk/>
-            <pc:sldMk cId="1345038325" sldId="323"/>
-            <ac:spMk id="20" creationId="{66D2D889-C641-3921-3529-126A8616C696}"/>
-          </ac:spMkLst>
-        </pc:spChg>
       </pc:sldChg>
       <pc:sldChg chg="add del">
         <pc:chgData name="Elias Medig" userId="30c2e7930a6ba8b5" providerId="LiveId" clId="{6C9A1214-9FF7-4CE5-8EF9-7236F1F587FB}" dt="2025-02-11T16:50:56.721" v="4263"/>
@@ -2563,22 +1539,6 @@
             <ac:spMk id="9" creationId="{4DF70BF0-208E-115C-7390-C74601D6D6FE}"/>
           </ac:spMkLst>
         </pc:spChg>
-        <pc:spChg chg="del">
-          <ac:chgData name="Elias Medig" userId="30c2e7930a6ba8b5" providerId="LiveId" clId="{6C9A1214-9FF7-4CE5-8EF9-7236F1F587FB}" dt="2025-02-11T17:05:10.053" v="4534" actId="478"/>
-          <ac:spMkLst>
-            <pc:docMk/>
-            <pc:sldMk cId="468686684" sldId="324"/>
-            <ac:spMk id="10" creationId="{D43FC970-CDD0-3779-D131-3B5E3FB5CE41}"/>
-          </ac:spMkLst>
-        </pc:spChg>
-        <pc:spChg chg="del">
-          <ac:chgData name="Elias Medig" userId="30c2e7930a6ba8b5" providerId="LiveId" clId="{6C9A1214-9FF7-4CE5-8EF9-7236F1F587FB}" dt="2025-02-11T17:05:10.053" v="4534" actId="478"/>
-          <ac:spMkLst>
-            <pc:docMk/>
-            <pc:sldMk cId="468686684" sldId="324"/>
-            <ac:spMk id="11" creationId="{4D1A96AE-A093-3DE8-EB0C-A890964988A8}"/>
-          </ac:spMkLst>
-        </pc:spChg>
         <pc:spChg chg="mod">
           <ac:chgData name="Elias Medig" userId="30c2e7930a6ba8b5" providerId="LiveId" clId="{6C9A1214-9FF7-4CE5-8EF9-7236F1F587FB}" dt="2025-02-11T17:05:29.309" v="4541" actId="1076"/>
           <ac:spMkLst>
@@ -2595,30 +1555,6 @@
             <ac:picMk id="5" creationId="{3B0FEC40-2D7E-6796-8F6A-22641396F21D}"/>
           </ac:picMkLst>
         </pc:picChg>
-        <pc:picChg chg="del">
-          <ac:chgData name="Elias Medig" userId="30c2e7930a6ba8b5" providerId="LiveId" clId="{6C9A1214-9FF7-4CE5-8EF9-7236F1F587FB}" dt="2025-02-11T17:05:11.418" v="4536" actId="478"/>
-          <ac:picMkLst>
-            <pc:docMk/>
-            <pc:sldMk cId="468686684" sldId="324"/>
-            <ac:picMk id="8" creationId="{1D1A834A-5FF6-38B8-685D-14B419E44078}"/>
-          </ac:picMkLst>
-        </pc:picChg>
-        <pc:cxnChg chg="del mod">
-          <ac:chgData name="Elias Medig" userId="30c2e7930a6ba8b5" providerId="LiveId" clId="{6C9A1214-9FF7-4CE5-8EF9-7236F1F587FB}" dt="2025-02-11T17:05:10.053" v="4534" actId="478"/>
-          <ac:cxnSpMkLst>
-            <pc:docMk/>
-            <pc:sldMk cId="468686684" sldId="324"/>
-            <ac:cxnSpMk id="15" creationId="{0812B6F2-8602-3447-16AC-2B59D3087067}"/>
-          </ac:cxnSpMkLst>
-        </pc:cxnChg>
-        <pc:cxnChg chg="del mod">
-          <ac:chgData name="Elias Medig" userId="30c2e7930a6ba8b5" providerId="LiveId" clId="{6C9A1214-9FF7-4CE5-8EF9-7236F1F587FB}" dt="2025-02-11T17:05:10.053" v="4534" actId="478"/>
-          <ac:cxnSpMkLst>
-            <pc:docMk/>
-            <pc:sldMk cId="468686684" sldId="324"/>
-            <ac:cxnSpMk id="16" creationId="{33F20FDC-6AB6-8059-E2CC-2F31CADE48EE}"/>
-          </ac:cxnSpMkLst>
-        </pc:cxnChg>
       </pc:sldChg>
       <pc:sldChg chg="addSp delSp modSp add mod">
         <pc:chgData name="Elias Medig" userId="30c2e7930a6ba8b5" providerId="LiveId" clId="{6C9A1214-9FF7-4CE5-8EF9-7236F1F587FB}" dt="2025-02-11T18:30:55.507" v="5112" actId="1076"/>
@@ -2706,36 +1642,12 @@
             <ac:picMk id="5" creationId="{7070D2D4-8D82-5D0A-6A7C-A47E866E5B32}"/>
           </ac:picMkLst>
         </pc:picChg>
-        <pc:picChg chg="add del mod">
-          <ac:chgData name="Elias Medig" userId="30c2e7930a6ba8b5" providerId="LiveId" clId="{6C9A1214-9FF7-4CE5-8EF9-7236F1F587FB}" dt="2025-02-11T18:23:56.259" v="4858" actId="478"/>
-          <ac:picMkLst>
-            <pc:docMk/>
-            <pc:sldMk cId="526493276" sldId="325"/>
-            <ac:picMk id="7" creationId="{F3DBA508-B46F-2A53-0BBD-8384E0515890}"/>
-          </ac:picMkLst>
-        </pc:picChg>
-        <pc:picChg chg="del">
-          <ac:chgData name="Elias Medig" userId="30c2e7930a6ba8b5" providerId="LiveId" clId="{6C9A1214-9FF7-4CE5-8EF9-7236F1F587FB}" dt="2025-02-11T18:23:01.357" v="4838" actId="478"/>
-          <ac:picMkLst>
-            <pc:docMk/>
-            <pc:sldMk cId="526493276" sldId="325"/>
-            <ac:picMk id="9" creationId="{0E5C67EC-E298-D5A7-55A7-101BEB52FDA0}"/>
-          </ac:picMkLst>
-        </pc:picChg>
         <pc:picChg chg="add mod">
           <ac:chgData name="Elias Medig" userId="30c2e7930a6ba8b5" providerId="LiveId" clId="{6C9A1214-9FF7-4CE5-8EF9-7236F1F587FB}" dt="2025-02-11T18:29:40.923" v="5077" actId="1076"/>
           <ac:picMkLst>
             <pc:docMk/>
             <pc:sldMk cId="526493276" sldId="325"/>
             <ac:picMk id="10" creationId="{87752884-117C-61F9-E34B-337724E17132}"/>
-          </ac:picMkLst>
-        </pc:picChg>
-        <pc:picChg chg="del">
-          <ac:chgData name="Elias Medig" userId="30c2e7930a6ba8b5" providerId="LiveId" clId="{6C9A1214-9FF7-4CE5-8EF9-7236F1F587FB}" dt="2025-02-11T18:23:00.513" v="4837" actId="478"/>
-          <ac:picMkLst>
-            <pc:docMk/>
-            <pc:sldMk cId="526493276" sldId="325"/>
-            <ac:picMk id="16" creationId="{009259D6-8480-F7AD-762D-041C8A4DC8E4}"/>
           </ac:picMkLst>
         </pc:picChg>
         <pc:picChg chg="add mod">
@@ -2780,11 +1692,19 @@
         </pc:cxnChg>
       </pc:sldChg>
       <pc:sldChg chg="addSp delSp modSp add mod">
-        <pc:chgData name="Elias Medig" userId="30c2e7930a6ba8b5" providerId="LiveId" clId="{6C9A1214-9FF7-4CE5-8EF9-7236F1F587FB}" dt="2025-02-11T18:35:29.104" v="5209" actId="1036"/>
+        <pc:chgData name="Elias Medig" userId="30c2e7930a6ba8b5" providerId="LiveId" clId="{6C9A1214-9FF7-4CE5-8EF9-7236F1F587FB}" dt="2025-02-13T12:04:03.571" v="7394" actId="20577"/>
         <pc:sldMkLst>
           <pc:docMk/>
           <pc:sldMk cId="2489212603" sldId="326"/>
         </pc:sldMkLst>
+        <pc:spChg chg="mod">
+          <ac:chgData name="Elias Medig" userId="30c2e7930a6ba8b5" providerId="LiveId" clId="{6C9A1214-9FF7-4CE5-8EF9-7236F1F587FB}" dt="2025-02-13T12:04:03.571" v="7394" actId="20577"/>
+          <ac:spMkLst>
+            <pc:docMk/>
+            <pc:sldMk cId="2489212603" sldId="326"/>
+            <ac:spMk id="3" creationId="{9B174715-0460-28F2-64A4-89013C7FE975}"/>
+          </ac:spMkLst>
+        </pc:spChg>
         <pc:spChg chg="add mod">
           <ac:chgData name="Elias Medig" userId="30c2e7930a6ba8b5" providerId="LiveId" clId="{6C9A1214-9FF7-4CE5-8EF9-7236F1F587FB}" dt="2025-02-11T18:35:29.104" v="5209" actId="1036"/>
           <ac:spMkLst>
@@ -2809,14 +1729,6 @@
             <ac:spMk id="30" creationId="{BD036053-B385-AB3B-435A-7CAA63C5C690}"/>
           </ac:spMkLst>
         </pc:spChg>
-        <pc:picChg chg="add del mod">
-          <ac:chgData name="Elias Medig" userId="30c2e7930a6ba8b5" providerId="LiveId" clId="{6C9A1214-9FF7-4CE5-8EF9-7236F1F587FB}" dt="2025-02-11T18:33:48.392" v="5127" actId="478"/>
-          <ac:picMkLst>
-            <pc:docMk/>
-            <pc:sldMk cId="2489212603" sldId="326"/>
-            <ac:picMk id="5" creationId="{B136E776-26F0-87B2-E4F1-44D6C6A83D2A}"/>
-          </ac:picMkLst>
-        </pc:picChg>
         <pc:picChg chg="add mod ord">
           <ac:chgData name="Elias Medig" userId="30c2e7930a6ba8b5" providerId="LiveId" clId="{6C9A1214-9FF7-4CE5-8EF9-7236F1F587FB}" dt="2025-02-11T18:35:29.104" v="5209" actId="1036"/>
           <ac:picMkLst>
@@ -2841,35 +1753,27 @@
             <ac:cxnSpMk id="11" creationId="{57A8FD3E-584B-2496-8613-D5DB52B9AEF2}"/>
           </ac:cxnSpMkLst>
         </pc:cxnChg>
-        <pc:cxnChg chg="del">
-          <ac:chgData name="Elias Medig" userId="30c2e7930a6ba8b5" providerId="LiveId" clId="{6C9A1214-9FF7-4CE5-8EF9-7236F1F587FB}" dt="2025-02-11T18:32:40.113" v="5116" actId="478"/>
-          <ac:cxnSpMkLst>
-            <pc:docMk/>
-            <pc:sldMk cId="2489212603" sldId="326"/>
-            <ac:cxnSpMk id="17" creationId="{C584FFA7-4A42-7570-9F2F-DB80009032FA}"/>
-          </ac:cxnSpMkLst>
-        </pc:cxnChg>
       </pc:sldChg>
       <pc:sldChg chg="addSp delSp modSp add mod">
-        <pc:chgData name="Elias Medig" userId="30c2e7930a6ba8b5" providerId="LiveId" clId="{6C9A1214-9FF7-4CE5-8EF9-7236F1F587FB}" dt="2025-02-11T18:43:07.751" v="5224" actId="1076"/>
+        <pc:chgData name="Elias Medig" userId="30c2e7930a6ba8b5" providerId="LiveId" clId="{6C9A1214-9FF7-4CE5-8EF9-7236F1F587FB}" dt="2025-02-13T12:04:44.520" v="7396" actId="20577"/>
         <pc:sldMkLst>
           <pc:docMk/>
           <pc:sldMk cId="1509794990" sldId="327"/>
         </pc:sldMkLst>
+        <pc:spChg chg="mod">
+          <ac:chgData name="Elias Medig" userId="30c2e7930a6ba8b5" providerId="LiveId" clId="{6C9A1214-9FF7-4CE5-8EF9-7236F1F587FB}" dt="2025-02-13T12:04:44.520" v="7396" actId="20577"/>
+          <ac:spMkLst>
+            <pc:docMk/>
+            <pc:sldMk cId="1509794990" sldId="327"/>
+            <ac:spMk id="3" creationId="{987369BF-F282-1119-3298-642413833561}"/>
+          </ac:spMkLst>
+        </pc:spChg>
         <pc:spChg chg="mod ord">
           <ac:chgData name="Elias Medig" userId="30c2e7930a6ba8b5" providerId="LiveId" clId="{6C9A1214-9FF7-4CE5-8EF9-7236F1F587FB}" dt="2025-02-11T18:43:07.751" v="5224" actId="1076"/>
           <ac:spMkLst>
             <pc:docMk/>
             <pc:sldMk cId="1509794990" sldId="327"/>
             <ac:spMk id="29" creationId="{85126A21-33AE-44E2-83B7-16B5197370F5}"/>
-          </ac:spMkLst>
-        </pc:spChg>
-        <pc:spChg chg="del">
-          <ac:chgData name="Elias Medig" userId="30c2e7930a6ba8b5" providerId="LiveId" clId="{6C9A1214-9FF7-4CE5-8EF9-7236F1F587FB}" dt="2025-02-11T18:42:52.711" v="5218" actId="478"/>
-          <ac:spMkLst>
-            <pc:docMk/>
-            <pc:sldMk cId="1509794990" sldId="327"/>
-            <ac:spMk id="30" creationId="{662F9854-55FC-5A5F-F7C3-0294F86EF349}"/>
           </ac:spMkLst>
         </pc:spChg>
         <pc:picChg chg="add mod">
@@ -2880,21 +1784,21 @@
             <ac:picMk id="5" creationId="{28F4C81C-43F9-6178-5530-62F03989359C}"/>
           </ac:picMkLst>
         </pc:picChg>
-        <pc:cxnChg chg="del mod">
-          <ac:chgData name="Elias Medig" userId="30c2e7930a6ba8b5" providerId="LiveId" clId="{6C9A1214-9FF7-4CE5-8EF9-7236F1F587FB}" dt="2025-02-11T18:43:01.190" v="5222" actId="478"/>
-          <ac:cxnSpMkLst>
-            <pc:docMk/>
-            <pc:sldMk cId="1509794990" sldId="327"/>
-            <ac:cxnSpMk id="17" creationId="{8E439E1D-84A4-59FB-398B-D3AFAF784DD1}"/>
-          </ac:cxnSpMkLst>
-        </pc:cxnChg>
       </pc:sldChg>
       <pc:sldChg chg="addSp delSp modSp add mod">
-        <pc:chgData name="Elias Medig" userId="30c2e7930a6ba8b5" providerId="LiveId" clId="{6C9A1214-9FF7-4CE5-8EF9-7236F1F587FB}" dt="2025-02-11T20:23:16.781" v="7391" actId="1035"/>
+        <pc:chgData name="Elias Medig" userId="30c2e7930a6ba8b5" providerId="LiveId" clId="{6C9A1214-9FF7-4CE5-8EF9-7236F1F587FB}" dt="2025-02-13T12:46:27.176" v="7433" actId="14100"/>
         <pc:sldMkLst>
           <pc:docMk/>
           <pc:sldMk cId="2684975623" sldId="328"/>
         </pc:sldMkLst>
+        <pc:spChg chg="mod">
+          <ac:chgData name="Elias Medig" userId="30c2e7930a6ba8b5" providerId="LiveId" clId="{6C9A1214-9FF7-4CE5-8EF9-7236F1F587FB}" dt="2025-02-13T12:05:04.238" v="7398" actId="20577"/>
+          <ac:spMkLst>
+            <pc:docMk/>
+            <pc:sldMk cId="2684975623" sldId="328"/>
+            <ac:spMk id="3" creationId="{45D7BB32-DEEF-53FD-C605-C8C6963D7BC5}"/>
+          </ac:spMkLst>
+        </pc:spChg>
         <pc:spChg chg="mod">
           <ac:chgData name="Elias Medig" userId="30c2e7930a6ba8b5" providerId="LiveId" clId="{6C9A1214-9FF7-4CE5-8EF9-7236F1F587FB}" dt="2025-02-11T18:49:56.752" v="5272" actId="14100"/>
           <ac:spMkLst>
@@ -2927,14 +1831,6 @@
             <ac:spMk id="8" creationId="{73D8C048-3790-D56C-94C0-C0274BCE6F0A}"/>
           </ac:spMkLst>
         </pc:spChg>
-        <pc:spChg chg="add del mod">
-          <ac:chgData name="Elias Medig" userId="30c2e7930a6ba8b5" providerId="LiveId" clId="{6C9A1214-9FF7-4CE5-8EF9-7236F1F587FB}" dt="2025-02-11T18:47:19.946" v="5260" actId="478"/>
-          <ac:spMkLst>
-            <pc:docMk/>
-            <pc:sldMk cId="2684975623" sldId="328"/>
-            <ac:spMk id="9" creationId="{2D6DEBBC-7ADE-8892-A5B4-FFB23E2935DE}"/>
-          </ac:spMkLst>
-        </pc:spChg>
         <pc:spChg chg="mod">
           <ac:chgData name="Elias Medig" userId="30c2e7930a6ba8b5" providerId="LiveId" clId="{6C9A1214-9FF7-4CE5-8EF9-7236F1F587FB}" dt="2025-02-11T18:49:56.752" v="5272" actId="14100"/>
           <ac:spMkLst>
@@ -2983,30 +1879,6 @@
             <ac:spMk id="15" creationId="{A2C780D7-0F8A-DD10-3188-9BC4A68F3ED5}"/>
           </ac:spMkLst>
         </pc:spChg>
-        <pc:spChg chg="del">
-          <ac:chgData name="Elias Medig" userId="30c2e7930a6ba8b5" providerId="LiveId" clId="{6C9A1214-9FF7-4CE5-8EF9-7236F1F587FB}" dt="2025-02-11T18:49:41.825" v="5269" actId="478"/>
-          <ac:spMkLst>
-            <pc:docMk/>
-            <pc:sldMk cId="2684975623" sldId="328"/>
-            <ac:spMk id="16" creationId="{172352D3-2435-96EF-4586-49B90C453822}"/>
-          </ac:spMkLst>
-        </pc:spChg>
-        <pc:spChg chg="del">
-          <ac:chgData name="Elias Medig" userId="30c2e7930a6ba8b5" providerId="LiveId" clId="{6C9A1214-9FF7-4CE5-8EF9-7236F1F587FB}" dt="2025-02-11T18:49:43.281" v="5270" actId="478"/>
-          <ac:spMkLst>
-            <pc:docMk/>
-            <pc:sldMk cId="2684975623" sldId="328"/>
-            <ac:spMk id="17" creationId="{4AB85FA1-D847-A31B-D5B2-4013E39A5F4F}"/>
-          </ac:spMkLst>
-        </pc:spChg>
-        <pc:spChg chg="del">
-          <ac:chgData name="Elias Medig" userId="30c2e7930a6ba8b5" providerId="LiveId" clId="{6C9A1214-9FF7-4CE5-8EF9-7236F1F587FB}" dt="2025-02-11T18:47:17.953" v="5258" actId="478"/>
-          <ac:spMkLst>
-            <pc:docMk/>
-            <pc:sldMk cId="2684975623" sldId="328"/>
-            <ac:spMk id="20" creationId="{5F1E2409-D0DA-3E4C-CE1F-EC35A1007341}"/>
-          </ac:spMkLst>
-        </pc:spChg>
         <pc:spChg chg="add mod">
           <ac:chgData name="Elias Medig" userId="30c2e7930a6ba8b5" providerId="LiveId" clId="{6C9A1214-9FF7-4CE5-8EF9-7236F1F587FB}" dt="2025-02-11T18:53:29.194" v="5449" actId="1036"/>
           <ac:spMkLst>
@@ -3024,14 +1896,6 @@
           </ac:spMkLst>
         </pc:spChg>
         <pc:spChg chg="add mod">
-          <ac:chgData name="Elias Medig" userId="30c2e7930a6ba8b5" providerId="LiveId" clId="{6C9A1214-9FF7-4CE5-8EF9-7236F1F587FB}" dt="2025-02-11T18:51:23.909" v="5307" actId="1076"/>
-          <ac:spMkLst>
-            <pc:docMk/>
-            <pc:sldMk cId="2684975623" sldId="328"/>
-            <ac:spMk id="36" creationId="{E62E9789-7559-D5F1-3A1D-A5C23FA2C925}"/>
-          </ac:spMkLst>
-        </pc:spChg>
-        <pc:spChg chg="add mod">
           <ac:chgData name="Elias Medig" userId="30c2e7930a6ba8b5" providerId="LiveId" clId="{6C9A1214-9FF7-4CE5-8EF9-7236F1F587FB}" dt="2025-02-11T18:52:55.507" v="5425" actId="14100"/>
           <ac:spMkLst>
             <pc:docMk/>
@@ -3056,7 +1920,7 @@
           </ac:spMkLst>
         </pc:spChg>
         <pc:spChg chg="add mod">
-          <ac:chgData name="Elias Medig" userId="30c2e7930a6ba8b5" providerId="LiveId" clId="{6C9A1214-9FF7-4CE5-8EF9-7236F1F587FB}" dt="2025-02-11T20:23:16.781" v="7391" actId="1035"/>
+          <ac:chgData name="Elias Medig" userId="30c2e7930a6ba8b5" providerId="LiveId" clId="{6C9A1214-9FF7-4CE5-8EF9-7236F1F587FB}" dt="2025-02-13T12:46:03.357" v="7424" actId="1035"/>
           <ac:spMkLst>
             <pc:docMk/>
             <pc:sldMk cId="2684975623" sldId="328"/>
@@ -3064,21 +1928,13 @@
           </ac:spMkLst>
         </pc:spChg>
         <pc:spChg chg="add mod">
-          <ac:chgData name="Elias Medig" userId="30c2e7930a6ba8b5" providerId="LiveId" clId="{6C9A1214-9FF7-4CE5-8EF9-7236F1F587FB}" dt="2025-02-11T18:53:12.626" v="5440" actId="1038"/>
+          <ac:chgData name="Elias Medig" userId="30c2e7930a6ba8b5" providerId="LiveId" clId="{6C9A1214-9FF7-4CE5-8EF9-7236F1F587FB}" dt="2025-02-13T12:46:27.176" v="7433" actId="14100"/>
           <ac:spMkLst>
             <pc:docMk/>
             <pc:sldMk cId="2684975623" sldId="328"/>
             <ac:spMk id="53" creationId="{7DC1A920-28C9-134B-AA2A-EE765B25F0C0}"/>
           </ac:spMkLst>
         </pc:spChg>
-        <pc:picChg chg="add del mod">
-          <ac:chgData name="Elias Medig" userId="30c2e7930a6ba8b5" providerId="LiveId" clId="{6C9A1214-9FF7-4CE5-8EF9-7236F1F587FB}" dt="2025-02-11T18:49:30.401" v="5263" actId="478"/>
-          <ac:picMkLst>
-            <pc:docMk/>
-            <pc:sldMk cId="2684975623" sldId="328"/>
-            <ac:picMk id="18" creationId="{FA9662F2-AA38-F18E-3F43-EDA71F90E7BA}"/>
-          </ac:picMkLst>
-        </pc:picChg>
         <pc:picChg chg="add mod">
           <ac:chgData name="Elias Medig" userId="30c2e7930a6ba8b5" providerId="LiveId" clId="{6C9A1214-9FF7-4CE5-8EF9-7236F1F587FB}" dt="2025-02-11T18:50:00.803" v="5274" actId="1076"/>
           <ac:picMkLst>
@@ -3087,14 +1943,6 @@
             <ac:picMk id="21" creationId="{E56AEB31-B759-D70C-0260-10A2FDBCECFB}"/>
           </ac:picMkLst>
         </pc:picChg>
-        <pc:cxnChg chg="add del mod">
-          <ac:chgData name="Elias Medig" userId="30c2e7930a6ba8b5" providerId="LiveId" clId="{6C9A1214-9FF7-4CE5-8EF9-7236F1F587FB}" dt="2025-02-11T18:50:46.201" v="5289" actId="478"/>
-          <ac:cxnSpMkLst>
-            <pc:docMk/>
-            <pc:sldMk cId="2684975623" sldId="328"/>
-            <ac:cxnSpMk id="23" creationId="{1CB4146A-68D3-39CA-56A7-A8581D756D5B}"/>
-          </ac:cxnSpMkLst>
-        </pc:cxnChg>
         <pc:cxnChg chg="add mod">
           <ac:chgData name="Elias Medig" userId="30c2e7930a6ba8b5" providerId="LiveId" clId="{6C9A1214-9FF7-4CE5-8EF9-7236F1F587FB}" dt="2025-02-11T18:53:29.194" v="5449" actId="1036"/>
           <ac:cxnSpMkLst>
@@ -3136,7 +1984,7 @@
           </ac:cxnSpMkLst>
         </pc:cxnChg>
         <pc:cxnChg chg="add mod">
-          <ac:chgData name="Elias Medig" userId="30c2e7930a6ba8b5" providerId="LiveId" clId="{6C9A1214-9FF7-4CE5-8EF9-7236F1F587FB}" dt="2025-02-11T20:23:16.781" v="7391" actId="1035"/>
+          <ac:chgData name="Elias Medig" userId="30c2e7930a6ba8b5" providerId="LiveId" clId="{6C9A1214-9FF7-4CE5-8EF9-7236F1F587FB}" dt="2025-02-13T12:46:03.357" v="7424" actId="1035"/>
           <ac:cxnSpMkLst>
             <pc:docMk/>
             <pc:sldMk cId="2684975623" sldId="328"/>
@@ -3144,7 +1992,7 @@
           </ac:cxnSpMkLst>
         </pc:cxnChg>
         <pc:cxnChg chg="add mod">
-          <ac:chgData name="Elias Medig" userId="30c2e7930a6ba8b5" providerId="LiveId" clId="{6C9A1214-9FF7-4CE5-8EF9-7236F1F587FB}" dt="2025-02-11T18:53:12.626" v="5440" actId="1038"/>
+          <ac:chgData name="Elias Medig" userId="30c2e7930a6ba8b5" providerId="LiveId" clId="{6C9A1214-9FF7-4CE5-8EF9-7236F1F587FB}" dt="2025-02-13T12:46:27.176" v="7433" actId="14100"/>
           <ac:cxnSpMkLst>
             <pc:docMk/>
             <pc:sldMk cId="2684975623" sldId="328"/>
@@ -3158,30 +2006,6 @@
           <pc:docMk/>
           <pc:sldMk cId="3674616465" sldId="328"/>
         </pc:sldMkLst>
-        <pc:spChg chg="del">
-          <ac:chgData name="Elias Medig" userId="30c2e7930a6ba8b5" providerId="LiveId" clId="{6C9A1214-9FF7-4CE5-8EF9-7236F1F587FB}" dt="2025-02-11T18:44:48.275" v="5227" actId="21"/>
-          <ac:spMkLst>
-            <pc:docMk/>
-            <pc:sldMk cId="3674616465" sldId="328"/>
-            <ac:spMk id="29" creationId="{C79F6871-6142-0328-7446-52C1BB528D1A}"/>
-          </ac:spMkLst>
-        </pc:spChg>
-        <pc:spChg chg="del">
-          <ac:chgData name="Elias Medig" userId="30c2e7930a6ba8b5" providerId="LiveId" clId="{6C9A1214-9FF7-4CE5-8EF9-7236F1F587FB}" dt="2025-02-11T18:44:48.275" v="5227" actId="21"/>
-          <ac:spMkLst>
-            <pc:docMk/>
-            <pc:sldMk cId="3674616465" sldId="328"/>
-            <ac:spMk id="30" creationId="{711285E3-3A75-DF8E-F4AB-47104AA832F6}"/>
-          </ac:spMkLst>
-        </pc:spChg>
-        <pc:cxnChg chg="del">
-          <ac:chgData name="Elias Medig" userId="30c2e7930a6ba8b5" providerId="LiveId" clId="{6C9A1214-9FF7-4CE5-8EF9-7236F1F587FB}" dt="2025-02-11T18:44:48.275" v="5227" actId="21"/>
-          <ac:cxnSpMkLst>
-            <pc:docMk/>
-            <pc:sldMk cId="3674616465" sldId="328"/>
-            <ac:cxnSpMk id="17" creationId="{9A54F817-C28E-4A84-BA8B-C803D132C03B}"/>
-          </ac:cxnSpMkLst>
-        </pc:cxnChg>
       </pc:sldChg>
       <pc:sldChg chg="addSp delSp modSp add mod">
         <pc:chgData name="Elias Medig" userId="30c2e7930a6ba8b5" providerId="LiveId" clId="{6C9A1214-9FF7-4CE5-8EF9-7236F1F587FB}" dt="2025-02-11T19:06:26.934" v="5688" actId="1037"/>
@@ -3197,22 +2021,6 @@
             <ac:spMk id="3" creationId="{0DCD8CE7-1A81-0AE2-0082-418CAA906BC2}"/>
           </ac:spMkLst>
         </pc:spChg>
-        <pc:spChg chg="add del mod">
-          <ac:chgData name="Elias Medig" userId="30c2e7930a6ba8b5" providerId="LiveId" clId="{6C9A1214-9FF7-4CE5-8EF9-7236F1F587FB}" dt="2025-02-11T19:01:28.892" v="5638" actId="478"/>
-          <ac:spMkLst>
-            <pc:docMk/>
-            <pc:sldMk cId="2267302233" sldId="329"/>
-            <ac:spMk id="5" creationId="{23AAEAF0-CF88-0251-16DA-405587DC74CB}"/>
-          </ac:spMkLst>
-        </pc:spChg>
-        <pc:spChg chg="del mod">
-          <ac:chgData name="Elias Medig" userId="30c2e7930a6ba8b5" providerId="LiveId" clId="{6C9A1214-9FF7-4CE5-8EF9-7236F1F587FB}" dt="2025-02-11T19:01:24.687" v="5636" actId="478"/>
-          <ac:spMkLst>
-            <pc:docMk/>
-            <pc:sldMk cId="2267302233" sldId="329"/>
-            <ac:spMk id="7" creationId="{B68815AC-9D18-44D4-3B7E-1DAE30760E3E}"/>
-          </ac:spMkLst>
-        </pc:spChg>
         <pc:spChg chg="mod ord">
           <ac:chgData name="Elias Medig" userId="30c2e7930a6ba8b5" providerId="LiveId" clId="{6C9A1214-9FF7-4CE5-8EF9-7236F1F587FB}" dt="2025-02-11T19:03:39.677" v="5652" actId="14100"/>
           <ac:spMkLst>
@@ -3229,14 +2037,6 @@
             <ac:spMk id="13" creationId="{1B3B095A-64C6-202D-EA22-C571330C6052}"/>
           </ac:spMkLst>
         </pc:spChg>
-        <pc:spChg chg="add del mod">
-          <ac:chgData name="Elias Medig" userId="30c2e7930a6ba8b5" providerId="LiveId" clId="{6C9A1214-9FF7-4CE5-8EF9-7236F1F587FB}" dt="2025-02-11T19:04:52.908" v="5674" actId="478"/>
-          <ac:spMkLst>
-            <pc:docMk/>
-            <pc:sldMk cId="2267302233" sldId="329"/>
-            <ac:spMk id="15" creationId="{A5F87DB6-1325-6730-2B51-DAC69C273377}"/>
-          </ac:spMkLst>
-        </pc:spChg>
         <pc:spChg chg="add mod">
           <ac:chgData name="Elias Medig" userId="30c2e7930a6ba8b5" providerId="LiveId" clId="{6C9A1214-9FF7-4CE5-8EF9-7236F1F587FB}" dt="2025-02-11T19:04:35.028" v="5665" actId="207"/>
           <ac:spMkLst>
@@ -3253,22 +2053,6 @@
             <ac:spMk id="17" creationId="{69C16281-6071-DB09-1EC5-85A65811DF22}"/>
           </ac:spMkLst>
         </pc:spChg>
-        <pc:spChg chg="del">
-          <ac:chgData name="Elias Medig" userId="30c2e7930a6ba8b5" providerId="LiveId" clId="{6C9A1214-9FF7-4CE5-8EF9-7236F1F587FB}" dt="2025-02-11T19:01:26.183" v="5637" actId="478"/>
-          <ac:spMkLst>
-            <pc:docMk/>
-            <pc:sldMk cId="2267302233" sldId="329"/>
-            <ac:spMk id="22" creationId="{DC104131-8316-BCEA-E60E-B6DA29E4277B}"/>
-          </ac:spMkLst>
-        </pc:spChg>
-        <pc:picChg chg="del">
-          <ac:chgData name="Elias Medig" userId="30c2e7930a6ba8b5" providerId="LiveId" clId="{6C9A1214-9FF7-4CE5-8EF9-7236F1F587FB}" dt="2025-02-11T19:01:24.402" v="5634" actId="478"/>
-          <ac:picMkLst>
-            <pc:docMk/>
-            <pc:sldMk cId="2267302233" sldId="329"/>
-            <ac:picMk id="6" creationId="{D538058A-A42F-01B1-0FE2-71D1E923FC5B}"/>
-          </ac:picMkLst>
-        </pc:picChg>
         <pc:picChg chg="add mod">
           <ac:chgData name="Elias Medig" userId="30c2e7930a6ba8b5" providerId="LiveId" clId="{6C9A1214-9FF7-4CE5-8EF9-7236F1F587FB}" dt="2025-02-11T19:03:11.255" v="5645" actId="1076"/>
           <ac:picMkLst>
@@ -3277,30 +2061,6 @@
             <ac:picMk id="9" creationId="{F69D6250-9CD1-42A2-B389-64F5C6E5EC35}"/>
           </ac:picMkLst>
         </pc:picChg>
-        <pc:picChg chg="del">
-          <ac:chgData name="Elias Medig" userId="30c2e7930a6ba8b5" providerId="LiveId" clId="{6C9A1214-9FF7-4CE5-8EF9-7236F1F587FB}" dt="2025-02-11T19:01:23.510" v="5633" actId="478"/>
-          <ac:picMkLst>
-            <pc:docMk/>
-            <pc:sldMk cId="2267302233" sldId="329"/>
-            <ac:picMk id="10" creationId="{8CBA27B5-3DC4-11F1-B721-FDF331C085BA}"/>
-          </ac:picMkLst>
-        </pc:picChg>
-        <pc:cxnChg chg="del mod">
-          <ac:chgData name="Elias Medig" userId="30c2e7930a6ba8b5" providerId="LiveId" clId="{6C9A1214-9FF7-4CE5-8EF9-7236F1F587FB}" dt="2025-02-11T19:03:06.543" v="5641" actId="478"/>
-          <ac:cxnSpMkLst>
-            <pc:docMk/>
-            <pc:sldMk cId="2267302233" sldId="329"/>
-            <ac:cxnSpMk id="12" creationId="{8876F0D2-9DEA-448D-2DDF-8AFF8188E47A}"/>
-          </ac:cxnSpMkLst>
-        </pc:cxnChg>
-        <pc:cxnChg chg="del">
-          <ac:chgData name="Elias Medig" userId="30c2e7930a6ba8b5" providerId="LiveId" clId="{6C9A1214-9FF7-4CE5-8EF9-7236F1F587FB}" dt="2025-02-11T19:03:07.360" v="5642" actId="478"/>
-          <ac:cxnSpMkLst>
-            <pc:docMk/>
-            <pc:sldMk cId="2267302233" sldId="329"/>
-            <ac:cxnSpMk id="14" creationId="{DB41D72F-5B32-ABB0-1FE9-BCC2933FD607}"/>
-          </ac:cxnSpMkLst>
-        </pc:cxnChg>
       </pc:sldChg>
       <pc:sldChg chg="addSp delSp modSp add mod ord">
         <pc:chgData name="Elias Medig" userId="30c2e7930a6ba8b5" providerId="LiveId" clId="{6C9A1214-9FF7-4CE5-8EF9-7236F1F587FB}" dt="2025-02-11T19:45:28.578" v="6567" actId="20577"/>
@@ -3316,52 +2076,12 @@
             <ac:spMk id="3" creationId="{F3977075-B3F8-3A06-8F40-9747EF81A347}"/>
           </ac:spMkLst>
         </pc:spChg>
-        <pc:spChg chg="add del mod">
-          <ac:chgData name="Elias Medig" userId="30c2e7930a6ba8b5" providerId="LiveId" clId="{6C9A1214-9FF7-4CE5-8EF9-7236F1F587FB}" dt="2025-02-11T19:21:29.690" v="6028" actId="478"/>
-          <ac:spMkLst>
-            <pc:docMk/>
-            <pc:sldMk cId="1499428357" sldId="330"/>
-            <ac:spMk id="6" creationId="{D821E983-1BAC-2F34-D7C5-FD2B8E80059B}"/>
-          </ac:spMkLst>
-        </pc:spChg>
-        <pc:spChg chg="del">
-          <ac:chgData name="Elias Medig" userId="30c2e7930a6ba8b5" providerId="LiveId" clId="{6C9A1214-9FF7-4CE5-8EF9-7236F1F587FB}" dt="2025-02-11T19:21:27.781" v="6026" actId="478"/>
-          <ac:spMkLst>
-            <pc:docMk/>
-            <pc:sldMk cId="1499428357" sldId="330"/>
-            <ac:spMk id="9" creationId="{27AA4954-755F-5A5E-ECE5-45CED31A39AC}"/>
-          </ac:spMkLst>
-        </pc:spChg>
-        <pc:spChg chg="del">
-          <ac:chgData name="Elias Medig" userId="30c2e7930a6ba8b5" providerId="LiveId" clId="{6C9A1214-9FF7-4CE5-8EF9-7236F1F587FB}" dt="2025-02-11T19:21:25.254" v="6024" actId="478"/>
-          <ac:spMkLst>
-            <pc:docMk/>
-            <pc:sldMk cId="1499428357" sldId="330"/>
-            <ac:spMk id="11" creationId="{D33170BE-6B7E-1FA4-B071-87E4B9907915}"/>
-          </ac:spMkLst>
-        </pc:spChg>
-        <pc:spChg chg="del">
-          <ac:chgData name="Elias Medig" userId="30c2e7930a6ba8b5" providerId="LiveId" clId="{6C9A1214-9FF7-4CE5-8EF9-7236F1F587FB}" dt="2025-02-11T19:21:39.232" v="6030" actId="478"/>
-          <ac:spMkLst>
-            <pc:docMk/>
-            <pc:sldMk cId="1499428357" sldId="330"/>
-            <ac:spMk id="12" creationId="{D5CB6C69-8391-A409-206B-C00E94003219}"/>
-          </ac:spMkLst>
-        </pc:spChg>
         <pc:picChg chg="add mod">
           <ac:chgData name="Elias Medig" userId="30c2e7930a6ba8b5" providerId="LiveId" clId="{6C9A1214-9FF7-4CE5-8EF9-7236F1F587FB}" dt="2025-02-11T19:22:07.395" v="6045" actId="1038"/>
           <ac:picMkLst>
             <pc:docMk/>
             <pc:sldMk cId="1499428357" sldId="330"/>
             <ac:picMk id="4" creationId="{00D92286-248C-05CB-5B48-13B8144D7E13}"/>
-          </ac:picMkLst>
-        </pc:picChg>
-        <pc:picChg chg="add del mod">
-          <ac:chgData name="Elias Medig" userId="30c2e7930a6ba8b5" providerId="LiveId" clId="{6C9A1214-9FF7-4CE5-8EF9-7236F1F587FB}" dt="2025-02-11T19:21:55.111" v="6034" actId="478"/>
-          <ac:picMkLst>
-            <pc:docMk/>
-            <pc:sldMk cId="1499428357" sldId="330"/>
-            <ac:picMk id="10" creationId="{7E32F340-7CCA-A08C-3514-DC9E50A4363E}"/>
           </ac:picMkLst>
         </pc:picChg>
         <pc:picChg chg="add mod">
@@ -3372,22 +2092,6 @@
             <ac:picMk id="15" creationId="{04DB493D-6B29-A226-BF14-AB337099ADFF}"/>
           </ac:picMkLst>
         </pc:picChg>
-        <pc:picChg chg="del">
-          <ac:chgData name="Elias Medig" userId="30c2e7930a6ba8b5" providerId="LiveId" clId="{6C9A1214-9FF7-4CE5-8EF9-7236F1F587FB}" dt="2025-02-11T19:21:22.061" v="6021" actId="478"/>
-          <ac:picMkLst>
-            <pc:docMk/>
-            <pc:sldMk cId="1499428357" sldId="330"/>
-            <ac:picMk id="17" creationId="{69A02C76-CF9F-23AC-53F4-5F33ED4C6AB8}"/>
-          </ac:picMkLst>
-        </pc:picChg>
-        <pc:cxnChg chg="del mod">
-          <ac:chgData name="Elias Medig" userId="30c2e7930a6ba8b5" providerId="LiveId" clId="{6C9A1214-9FF7-4CE5-8EF9-7236F1F587FB}" dt="2025-02-11T19:21:25.958" v="6025" actId="478"/>
-          <ac:cxnSpMkLst>
-            <pc:docMk/>
-            <pc:sldMk cId="1499428357" sldId="330"/>
-            <ac:cxnSpMk id="13" creationId="{C9F8E10D-D54C-D2BA-FC90-705A4F17D143}"/>
-          </ac:cxnSpMkLst>
-        </pc:cxnChg>
         <pc:cxnChg chg="add mod">
           <ac:chgData name="Elias Medig" userId="30c2e7930a6ba8b5" providerId="LiveId" clId="{6C9A1214-9FF7-4CE5-8EF9-7236F1F587FB}" dt="2025-02-11T19:24:10.554" v="6049" actId="17032"/>
           <ac:cxnSpMkLst>
@@ -3450,30 +2154,6 @@
             <ac:spMk id="22" creationId="{6C657E5D-E3CD-4524-D4C2-E276EC6CC104}"/>
           </ac:spMkLst>
         </pc:spChg>
-        <pc:picChg chg="del">
-          <ac:chgData name="Elias Medig" userId="30c2e7930a6ba8b5" providerId="LiveId" clId="{6C9A1214-9FF7-4CE5-8EF9-7236F1F587FB}" dt="2025-02-11T19:24:49.644" v="6055" actId="478"/>
-          <ac:picMkLst>
-            <pc:docMk/>
-            <pc:sldMk cId="4034448856" sldId="332"/>
-            <ac:picMk id="4" creationId="{EC21FE1F-13C4-B693-B9A0-A2C4ECCAA05C}"/>
-          </ac:picMkLst>
-        </pc:picChg>
-        <pc:picChg chg="add del mod">
-          <ac:chgData name="Elias Medig" userId="30c2e7930a6ba8b5" providerId="LiveId" clId="{6C9A1214-9FF7-4CE5-8EF9-7236F1F587FB}" dt="2025-02-11T19:28:02.645" v="6059" actId="478"/>
-          <ac:picMkLst>
-            <pc:docMk/>
-            <pc:sldMk cId="4034448856" sldId="332"/>
-            <ac:picMk id="5" creationId="{9CDA17AA-AE6A-C621-39CC-8DBE45002430}"/>
-          </ac:picMkLst>
-        </pc:picChg>
-        <pc:picChg chg="add del mod">
-          <ac:chgData name="Elias Medig" userId="30c2e7930a6ba8b5" providerId="LiveId" clId="{6C9A1214-9FF7-4CE5-8EF9-7236F1F587FB}" dt="2025-02-11T19:29:42.271" v="6063" actId="478"/>
-          <ac:picMkLst>
-            <pc:docMk/>
-            <pc:sldMk cId="4034448856" sldId="332"/>
-            <ac:picMk id="8" creationId="{07C1E631-2B54-4E91-0DD4-7CD97C5FFCBC}"/>
-          </ac:picMkLst>
-        </pc:picChg>
         <pc:picChg chg="add mod">
           <ac:chgData name="Elias Medig" userId="30c2e7930a6ba8b5" providerId="LiveId" clId="{6C9A1214-9FF7-4CE5-8EF9-7236F1F587FB}" dt="2025-02-11T19:32:58.939" v="6078" actId="1076"/>
           <ac:picMkLst>
@@ -3490,22 +2170,6 @@
             <ac:picMk id="12" creationId="{6FC11793-71DA-D3C4-0C80-F2B2D1DD74CB}"/>
           </ac:picMkLst>
         </pc:picChg>
-        <pc:picChg chg="add del mod">
-          <ac:chgData name="Elias Medig" userId="30c2e7930a6ba8b5" providerId="LiveId" clId="{6C9A1214-9FF7-4CE5-8EF9-7236F1F587FB}" dt="2025-02-11T19:32:40.464" v="6073" actId="478"/>
-          <ac:picMkLst>
-            <pc:docMk/>
-            <pc:sldMk cId="4034448856" sldId="332"/>
-            <ac:picMk id="14" creationId="{174D20F1-DE84-0F45-C922-8CEC7BDB6BE9}"/>
-          </ac:picMkLst>
-        </pc:picChg>
-        <pc:picChg chg="del">
-          <ac:chgData name="Elias Medig" userId="30c2e7930a6ba8b5" providerId="LiveId" clId="{6C9A1214-9FF7-4CE5-8EF9-7236F1F587FB}" dt="2025-02-11T19:24:49.644" v="6055" actId="478"/>
-          <ac:picMkLst>
-            <pc:docMk/>
-            <pc:sldMk cId="4034448856" sldId="332"/>
-            <ac:picMk id="15" creationId="{0084FF59-24C5-FA6E-1F1D-EEE15481BA8B}"/>
-          </ac:picMkLst>
-        </pc:picChg>
         <pc:picChg chg="add mod">
           <ac:chgData name="Elias Medig" userId="30c2e7930a6ba8b5" providerId="LiveId" clId="{6C9A1214-9FF7-4CE5-8EF9-7236F1F587FB}" dt="2025-02-11T19:32:58.939" v="6078" actId="1076"/>
           <ac:picMkLst>
@@ -3514,22 +2178,6 @@
             <ac:picMk id="17" creationId="{26F62F16-4D0D-0C61-C92E-62FBB6D691B7}"/>
           </ac:picMkLst>
         </pc:picChg>
-        <pc:cxnChg chg="del">
-          <ac:chgData name="Elias Medig" userId="30c2e7930a6ba8b5" providerId="LiveId" clId="{6C9A1214-9FF7-4CE5-8EF9-7236F1F587FB}" dt="2025-02-11T19:24:49.644" v="6055" actId="478"/>
-          <ac:cxnSpMkLst>
-            <pc:docMk/>
-            <pc:sldMk cId="4034448856" sldId="332"/>
-            <ac:cxnSpMk id="18" creationId="{F140063C-0485-88C4-7040-EE6319672CB9}"/>
-          </ac:cxnSpMkLst>
-        </pc:cxnChg>
-        <pc:cxnChg chg="del">
-          <ac:chgData name="Elias Medig" userId="30c2e7930a6ba8b5" providerId="LiveId" clId="{6C9A1214-9FF7-4CE5-8EF9-7236F1F587FB}" dt="2025-02-11T19:24:49.644" v="6055" actId="478"/>
-          <ac:cxnSpMkLst>
-            <pc:docMk/>
-            <pc:sldMk cId="4034448856" sldId="332"/>
-            <ac:cxnSpMk id="19" creationId="{48AE02A4-2FEF-C68D-A1DF-6BEF68C8C4FA}"/>
-          </ac:cxnSpMkLst>
-        </pc:cxnChg>
       </pc:sldChg>
       <pc:sldChg chg="addSp delSp modSp add mod">
         <pc:chgData name="Elias Medig" userId="30c2e7930a6ba8b5" providerId="LiveId" clId="{6C9A1214-9FF7-4CE5-8EF9-7236F1F587FB}" dt="2025-02-11T20:08:47.334" v="7044" actId="14100"/>
@@ -3567,14 +2215,6 @@
             <pc:docMk/>
             <pc:sldMk cId="1722445366" sldId="333"/>
             <ac:picMk id="14" creationId="{17DA075B-39B7-CC77-4F8A-CC487F0E3206}"/>
-          </ac:picMkLst>
-        </pc:picChg>
-        <pc:picChg chg="del">
-          <ac:chgData name="Elias Medig" userId="30c2e7930a6ba8b5" providerId="LiveId" clId="{6C9A1214-9FF7-4CE5-8EF9-7236F1F587FB}" dt="2025-02-11T19:45:10.983" v="6561" actId="478"/>
-          <ac:picMkLst>
-            <pc:docMk/>
-            <pc:sldMk cId="1722445366" sldId="333"/>
-            <ac:picMk id="17" creationId="{C837EA62-1DEE-6FA1-6EC2-63B132ACE76A}"/>
           </ac:picMkLst>
         </pc:picChg>
         <pc:cxnChg chg="mod ord">
@@ -3600,14 +2240,6 @@
             <ac:spMk id="3" creationId="{2B94E10E-20D5-B8F5-B1CB-E2066518079E}"/>
           </ac:spMkLst>
         </pc:spChg>
-        <pc:picChg chg="del">
-          <ac:chgData name="Elias Medig" userId="30c2e7930a6ba8b5" providerId="LiveId" clId="{6C9A1214-9FF7-4CE5-8EF9-7236F1F587FB}" dt="2025-02-11T19:45:40.941" v="6572" actId="478"/>
-          <ac:picMkLst>
-            <pc:docMk/>
-            <pc:sldMk cId="3721815146" sldId="334"/>
-            <ac:picMk id="4" creationId="{5C86A605-51ED-671C-C221-5309B9AF7F25}"/>
-          </ac:picMkLst>
-        </pc:picChg>
         <pc:picChg chg="add mod">
           <ac:chgData name="Elias Medig" userId="30c2e7930a6ba8b5" providerId="LiveId" clId="{6C9A1214-9FF7-4CE5-8EF9-7236F1F587FB}" dt="2025-02-11T20:03:32.173" v="6967" actId="1076"/>
           <ac:picMkLst>
@@ -3622,14 +2254,6 @@
             <pc:docMk/>
             <pc:sldMk cId="3721815146" sldId="334"/>
             <ac:picMk id="9" creationId="{1FC87E3F-B2C5-501F-EA41-26A3B406C38D}"/>
-          </ac:picMkLst>
-        </pc:picChg>
-        <pc:picChg chg="del">
-          <ac:chgData name="Elias Medig" userId="30c2e7930a6ba8b5" providerId="LiveId" clId="{6C9A1214-9FF7-4CE5-8EF9-7236F1F587FB}" dt="2025-02-11T19:45:41.325" v="6573" actId="478"/>
-          <ac:picMkLst>
-            <pc:docMk/>
-            <pc:sldMk cId="3721815146" sldId="334"/>
-            <ac:picMk id="15" creationId="{D30DE46E-485F-0376-177C-9B993A9074D4}"/>
           </ac:picMkLst>
         </pc:picChg>
         <pc:cxnChg chg="mod ord">
@@ -3905,7 +2529,7 @@
           <a:p>
             <a:fld id="{87650E45-4150-774C-926C-C38E8D3D53A2}" type="datetimeFigureOut">
               <a:rPr lang="en-US" smtClean="0"/>
-              <a:t>2/11/2025</a:t>
+              <a:t>2/13/2025</a:t>
             </a:fld>
             <a:endParaRPr lang="en-US" dirty="0"/>
           </a:p>
@@ -4573,6 +3197,90 @@
           <a:p>
             <a:fld id="{06521FDE-8B98-8341-81C2-8A3D3E8A17A5}" type="slidenum">
               <a:rPr lang="en-US" smtClean="0"/>
+              <a:t>19</a:t>
+            </a:fld>
+            <a:endParaRPr lang="en-US" dirty="0"/>
+          </a:p>
+        </p:txBody>
+      </p:sp>
+    </p:spTree>
+    <p:extLst>
+      <p:ext uri="{BB962C8B-B14F-4D97-AF65-F5344CB8AC3E}">
+        <p14:creationId xmlns:p14="http://schemas.microsoft.com/office/powerpoint/2010/main" val="2796065366"/>
+      </p:ext>
+    </p:extLst>
+  </p:cSld>
+  <p:clrMapOvr>
+    <a:masterClrMapping/>
+  </p:clrMapOvr>
+</p:notes>
+</file>
+
+<file path=ppt/notesSlides/notesSlide6.xml><?xml version="1.0" encoding="utf-8"?>
+<p:notes xmlns:a="http://schemas.openxmlformats.org/drawingml/2006/main" xmlns:r="http://schemas.openxmlformats.org/officeDocument/2006/relationships" xmlns:p="http://schemas.openxmlformats.org/presentationml/2006/main">
+  <p:cSld>
+    <p:spTree>
+      <p:nvGrpSpPr>
+        <p:cNvPr id="1" name=""/>
+        <p:cNvGrpSpPr/>
+        <p:nvPr/>
+      </p:nvGrpSpPr>
+      <p:grpSpPr>
+        <a:xfrm>
+          <a:off x="0" y="0"/>
+          <a:ext cx="0" cy="0"/>
+          <a:chOff x="0" y="0"/>
+          <a:chExt cx="0" cy="0"/>
+        </a:xfrm>
+      </p:grpSpPr>
+      <p:sp>
+        <p:nvSpPr>
+          <p:cNvPr id="2" name="Slide Image Placeholder 1"/>
+          <p:cNvSpPr>
+            <a:spLocks noGrp="1" noRot="1" noChangeAspect="1"/>
+          </p:cNvSpPr>
+          <p:nvPr>
+            <p:ph type="sldImg"/>
+          </p:nvPr>
+        </p:nvSpPr>
+        <p:spPr/>
+      </p:sp>
+      <p:sp>
+        <p:nvSpPr>
+          <p:cNvPr id="3" name="Notes Placeholder 2"/>
+          <p:cNvSpPr>
+            <a:spLocks noGrp="1"/>
+          </p:cNvSpPr>
+          <p:nvPr>
+            <p:ph type="body" idx="1"/>
+          </p:nvPr>
+        </p:nvSpPr>
+        <p:spPr/>
+        <p:txBody>
+          <a:bodyPr/>
+          <a:lstStyle/>
+          <a:p>
+            <a:endParaRPr lang="LID4096" dirty="0"/>
+          </a:p>
+        </p:txBody>
+      </p:sp>
+      <p:sp>
+        <p:nvSpPr>
+          <p:cNvPr id="4" name="Slide Number Placeholder 3"/>
+          <p:cNvSpPr>
+            <a:spLocks noGrp="1"/>
+          </p:cNvSpPr>
+          <p:nvPr>
+            <p:ph type="sldNum" sz="quarter" idx="5"/>
+          </p:nvPr>
+        </p:nvSpPr>
+        <p:spPr/>
+        <p:txBody>
+          <a:bodyPr/>
+          <a:lstStyle/>
+          <a:p>
+            <a:fld id="{06521FDE-8B98-8341-81C2-8A3D3E8A17A5}" type="slidenum">
+              <a:rPr lang="en-US" smtClean="0"/>
               <a:t>21</a:t>
             </a:fld>
             <a:endParaRPr lang="en-US" dirty="0"/>
@@ -4592,7 +3300,7 @@
 </p:notes>
 </file>
 
-<file path=ppt/notesSlides/notesSlide6.xml><?xml version="1.0" encoding="utf-8"?>
+<file path=ppt/notesSlides/notesSlide7.xml><?xml version="1.0" encoding="utf-8"?>
 <p:notes xmlns:a="http://schemas.openxmlformats.org/drawingml/2006/main" xmlns:r="http://schemas.openxmlformats.org/officeDocument/2006/relationships" xmlns:p="http://schemas.openxmlformats.org/presentationml/2006/main">
   <p:cSld>
     <p:spTree>
@@ -4700,7 +3408,7 @@
 </p:notes>
 </file>
 
-<file path=ppt/notesSlides/notesSlide7.xml><?xml version="1.0" encoding="utf-8"?>
+<file path=ppt/notesSlides/notesSlide8.xml><?xml version="1.0" encoding="utf-8"?>
 <p:notes xmlns:a="http://schemas.openxmlformats.org/drawingml/2006/main" xmlns:r="http://schemas.openxmlformats.org/officeDocument/2006/relationships" xmlns:p="http://schemas.openxmlformats.org/presentationml/2006/main">
   <p:cSld>
     <p:spTree>
@@ -4808,7 +3516,7 @@
 </p:notes>
 </file>
 
-<file path=ppt/notesSlides/notesSlide8.xml><?xml version="1.0" encoding="utf-8"?>
+<file path=ppt/notesSlides/notesSlide9.xml><?xml version="1.0" encoding="utf-8"?>
 <p:notes xmlns:a="http://schemas.openxmlformats.org/drawingml/2006/main" xmlns:r="http://schemas.openxmlformats.org/officeDocument/2006/relationships" xmlns:p="http://schemas.openxmlformats.org/presentationml/2006/main">
   <p:cSld>
     <p:spTree>
@@ -9633,7 +8341,7 @@
             <a:fld id="{EE518CBA-D8B4-47B2-892B-826C26D1B466}" type="datetimeFigureOut">
               <a:rPr lang="en-US" smtClean="0"/>
               <a:pPr/>
-              <a:t>2/11/2025</a:t>
+              <a:t>2/13/2025</a:t>
             </a:fld>
             <a:endParaRPr lang="en-US" dirty="0"/>
           </a:p>
@@ -10330,7 +9038,7 @@
           <a:p>
             <a:r>
               <a:rPr lang="en-US" dirty="0"/>
-              <a:t>2.3 Dataset</a:t>
+              <a:t>2.6 Dataset</a:t>
             </a:r>
           </a:p>
         </p:txBody>
@@ -11323,7 +10031,7 @@
           <a:p>
             <a:r>
               <a:rPr lang="en-US" dirty="0"/>
-              <a:t>3.1 Architecture</a:t>
+              <a:t>3.2 Architecture</a:t>
             </a:r>
           </a:p>
         </p:txBody>
@@ -12351,7 +11059,7 @@
         </p:nvSpPr>
         <p:spPr>
           <a:xfrm>
-            <a:off x="177797" y="4756210"/>
+            <a:off x="177797" y="4768567"/>
             <a:ext cx="6046377" cy="473177"/>
           </a:xfrm>
           <a:prstGeom prst="rect">
@@ -12406,8 +11114,8 @@
         </p:nvCxnSpPr>
         <p:spPr>
           <a:xfrm flipH="1" flipV="1">
-            <a:off x="6224174" y="4992799"/>
-            <a:ext cx="1190760" cy="423324"/>
+            <a:off x="6224174" y="5005156"/>
+            <a:ext cx="1190760" cy="410967"/>
           </a:xfrm>
           <a:prstGeom prst="line">
             <a:avLst/>
@@ -12451,8 +11159,8 @@
         </p:nvSpPr>
         <p:spPr>
           <a:xfrm>
-            <a:off x="173207" y="5314115"/>
-            <a:ext cx="6046377" cy="424142"/>
+            <a:off x="177052" y="5240366"/>
+            <a:ext cx="6054890" cy="473177"/>
           </a:xfrm>
           <a:prstGeom prst="rect">
             <a:avLst/>
@@ -12505,8 +11213,8 @@
         </p:nvCxnSpPr>
         <p:spPr>
           <a:xfrm flipH="1" flipV="1">
-            <a:off x="6219584" y="5526186"/>
-            <a:ext cx="1200113" cy="433127"/>
+            <a:off x="6231942" y="5476955"/>
+            <a:ext cx="1200112" cy="457644"/>
           </a:xfrm>
           <a:prstGeom prst="line">
             <a:avLst/>
@@ -12602,7 +11310,7 @@
           <a:p>
             <a:r>
               <a:rPr lang="en-US" dirty="0"/>
-              <a:t>3.2 Architecture</a:t>
+              <a:t>3.3 Architecture</a:t>
             </a:r>
           </a:p>
         </p:txBody>
@@ -15098,7 +13806,7 @@
           <p:nvPr/>
         </p:nvPicPr>
         <p:blipFill>
-          <a:blip r:embed="rId2">
+          <a:blip r:embed="rId3">
             <a:extLst>
               <a:ext uri="{28A0092B-C50C-407E-A947-70E740481C1C}">
                 <a14:useLocalDpi xmlns:a14="http://schemas.microsoft.com/office/drawing/2010/main" val="0"/>
@@ -15209,43 +13917,84 @@
             </a:endParaRPr>
           </a:p>
           <a:p>
-            <a:pPr algn="ctr"/>
-            <a:r>
-              <a:rPr lang="en-GB" dirty="0">
+            <a:r>
+              <a:rPr lang="en-GB" sz="1600" dirty="0">
+                <a:solidFill>
+                  <a:schemeClr val="tx1"/>
+                </a:solidFill>
+                <a:highlight>
+                  <a:srgbClr val="C0C0C0"/>
+                </a:highlight>
                 <a:latin typeface="akzidenz-grotesk"/>
               </a:rPr>
               <a:t>from </a:t>
             </a:r>
             <a:r>
-              <a:rPr lang="en-GB" dirty="0" err="1">
+              <a:rPr lang="en-GB" sz="1600" dirty="0" err="1">
+                <a:solidFill>
+                  <a:schemeClr val="tx1"/>
+                </a:solidFill>
+                <a:highlight>
+                  <a:srgbClr val="C0C0C0"/>
+                </a:highlight>
                 <a:latin typeface="akzidenz-grotesk"/>
               </a:rPr>
               <a:t>tensorflow.keras.layers</a:t>
             </a:r>
             <a:r>
-              <a:rPr lang="en-GB" dirty="0">
+              <a:rPr lang="en-GB" sz="1600" dirty="0">
+                <a:solidFill>
+                  <a:schemeClr val="tx1"/>
+                </a:solidFill>
+                <a:highlight>
+                  <a:srgbClr val="C0C0C0"/>
+                </a:highlight>
                 <a:latin typeface="akzidenz-grotesk"/>
               </a:rPr>
               <a:t> import Dropout</a:t>
             </a:r>
             <a:br>
-              <a:rPr lang="en-US" dirty="0">
+              <a:rPr lang="en-US" sz="1600" dirty="0">
+                <a:solidFill>
+                  <a:schemeClr val="tx1"/>
+                </a:solidFill>
+                <a:highlight>
+                  <a:srgbClr val="C0C0C0"/>
+                </a:highlight>
                 <a:latin typeface="akzidenz-grotesk"/>
               </a:rPr>
             </a:br>
             <a:r>
-              <a:rPr lang="en-US" dirty="0" err="1">
+              <a:rPr lang="en-US" sz="1600" dirty="0" err="1">
+                <a:solidFill>
+                  <a:schemeClr val="tx1"/>
+                </a:solidFill>
+                <a:highlight>
+                  <a:srgbClr val="C0C0C0"/>
+                </a:highlight>
                 <a:latin typeface="akzidenz-grotesk"/>
               </a:rPr>
               <a:t>model.add</a:t>
             </a:r>
             <a:r>
-              <a:rPr lang="en-US" dirty="0">
+              <a:rPr lang="en-US" sz="1600" dirty="0">
+                <a:solidFill>
+                  <a:schemeClr val="tx1"/>
+                </a:solidFill>
+                <a:highlight>
+                  <a:srgbClr val="C0C0C0"/>
+                </a:highlight>
                 <a:latin typeface="akzidenz-grotesk"/>
               </a:rPr>
               <a:t>(Dropout(0.5))</a:t>
             </a:r>
-            <a:endParaRPr lang="LID4096" dirty="0">
+            <a:endParaRPr lang="LID4096" sz="1600" dirty="0">
+              <a:solidFill>
+                <a:schemeClr val="tx1"/>
+              </a:solidFill>
+              <a:highlight>
+                <a:srgbClr val="C0C0C0"/>
+              </a:highlight>
               <a:latin typeface="akzidenz-grotesk"/>
             </a:endParaRPr>
           </a:p>
@@ -19667,7 +18416,7 @@
                 </a:solidFill>
                 <a:latin typeface="akzidenz-grotesk"/>
               </a:rPr>
-              <a:t>The goal is to develop a Neural Network that does object recognition.</a:t>
+              <a:t>The goal is to develop a Neural Network for object recognition.</a:t>
             </a:r>
           </a:p>
         </p:txBody>
@@ -22511,7 +21260,7 @@
           <a:p>
             <a:r>
               <a:rPr lang="en-US" dirty="0"/>
-              <a:t>2.3 Dataset</a:t>
+              <a:t>2.5 Dataset</a:t>
             </a:r>
           </a:p>
         </p:txBody>
@@ -23345,15 +22094,6 @@
 </file>
 
 <file path=customXml/item2.xml><?xml version="1.0" encoding="utf-8"?>
-<?mso-contentType ?>
-<FormTemplates xmlns="http://schemas.microsoft.com/sharepoint/v3/contenttype/forms">
-  <Display>DocumentLibraryForm</Display>
-  <Edit>DocumentLibraryForm</Edit>
-  <New>DocumentLibraryForm</New>
-</FormTemplates>
-</file>
-
-<file path=customXml/item3.xml><?xml version="1.0" encoding="utf-8"?>
 <ct:contentTypeSchema xmlns:ct="http://schemas.microsoft.com/office/2006/metadata/contentType" xmlns:ma="http://schemas.microsoft.com/office/2006/metadata/properties/metaAttributes" ct:_="" ma:_="" ma:contentTypeName="Document" ma:contentTypeID="0x01010079F111ED35F8CC479449609E8A0923A6" ma:contentTypeVersion="28" ma:contentTypeDescription="Create a new document." ma:contentTypeScope="" ma:versionID="60f5a4f2d2b0abadcf532d48ebf9cb71">
   <xsd:schema xmlns:xsd="http://www.w3.org/2001/XMLSchema" xmlns:xs="http://www.w3.org/2001/XMLSchema" xmlns:p="http://schemas.microsoft.com/office/2006/metadata/properties" xmlns:ns1="http://schemas.microsoft.com/sharepoint/v3" xmlns:ns2="71af3243-3dd4-4a8d-8c0d-dd76da1f02a5" xmlns:ns3="16c05727-aa75-4e4a-9b5f-8a80a1165891" xmlns:ns4="230e9df3-be65-4c73-a93b-d1236ebd677e" targetNamespace="http://schemas.microsoft.com/office/2006/metadata/properties" ma:root="true" ma:fieldsID="7dd78129e6a1811f84807ad11c651531" ns1:_="" ns2:_="" ns3:_="" ns4:_="">
     <xsd:import namespace="http://schemas.microsoft.com/sharepoint/v3"/>
@@ -23665,27 +22405,35 @@
 </ct:contentTypeSchema>
 </file>
 
+<file path=customXml/item3.xml><?xml version="1.0" encoding="utf-8"?>
+<?mso-contentType ?>
+<FormTemplates xmlns="http://schemas.microsoft.com/sharepoint/v3/contenttype/forms">
+  <Display>DocumentLibraryForm</Display>
+  <Edit>DocumentLibraryForm</Edit>
+  <New>DocumentLibraryForm</New>
+</FormTemplates>
+</file>
+
 <file path=customXml/itemProps1.xml><?xml version="1.0" encoding="utf-8"?>
 <ds:datastoreItem xmlns:ds="http://schemas.openxmlformats.org/officeDocument/2006/customXml" ds:itemID="{BE526E5B-BE06-44ED-944C-46B3BE1A406A}">
   <ds:schemaRefs>
     <ds:schemaRef ds:uri="http://schemas.microsoft.com/office/2006/metadata/properties"/>
+    <ds:schemaRef ds:uri="http://www.w3.org/XML/1998/namespace"/>
+    <ds:schemaRef ds:uri="http://schemas.openxmlformats.org/package/2006/metadata/core-properties"/>
+    <ds:schemaRef ds:uri="http://purl.org/dc/elements/1.1/"/>
     <ds:schemaRef ds:uri="http://schemas.microsoft.com/office/infopath/2007/PartnerControls"/>
+    <ds:schemaRef ds:uri="http://schemas.microsoft.com/office/2006/documentManagement/types"/>
+    <ds:schemaRef ds:uri="16c05727-aa75-4e4a-9b5f-8a80a1165891"/>
+    <ds:schemaRef ds:uri="http://purl.org/dc/terms/"/>
+    <ds:schemaRef ds:uri="230e9df3-be65-4c73-a93b-d1236ebd677e"/>
     <ds:schemaRef ds:uri="71af3243-3dd4-4a8d-8c0d-dd76da1f02a5"/>
-    <ds:schemaRef ds:uri="230e9df3-be65-4c73-a93b-d1236ebd677e"/>
     <ds:schemaRef ds:uri="http://schemas.microsoft.com/sharepoint/v3"/>
+    <ds:schemaRef ds:uri="http://purl.org/dc/dcmitype/"/>
   </ds:schemaRefs>
 </ds:datastoreItem>
 </file>
 
 <file path=customXml/itemProps2.xml><?xml version="1.0" encoding="utf-8"?>
-<ds:datastoreItem xmlns:ds="http://schemas.openxmlformats.org/officeDocument/2006/customXml" ds:itemID="{5E4B3662-E706-427A-8C63-55F1C5B1CAE0}">
-  <ds:schemaRefs>
-    <ds:schemaRef ds:uri="http://schemas.microsoft.com/sharepoint/v3/contenttype/forms"/>
-  </ds:schemaRefs>
-</ds:datastoreItem>
-</file>
-
-<file path=customXml/itemProps3.xml><?xml version="1.0" encoding="utf-8"?>
 <ds:datastoreItem xmlns:ds="http://schemas.openxmlformats.org/officeDocument/2006/customXml" ds:itemID="{2DD5551C-388C-42EB-B1BB-B0BF4434BACB}">
   <ds:schemaRefs>
     <ds:schemaRef ds:uri="http://schemas.microsoft.com/office/2006/metadata/contentType"/>
@@ -23706,6 +22454,14 @@
 </ds:datastoreItem>
 </file>
 
+<file path=customXml/itemProps3.xml><?xml version="1.0" encoding="utf-8"?>
+<ds:datastoreItem xmlns:ds="http://schemas.openxmlformats.org/officeDocument/2006/customXml" ds:itemID="{5E4B3662-E706-427A-8C63-55F1C5B1CAE0}">
+  <ds:schemaRefs>
+    <ds:schemaRef ds:uri="http://schemas.microsoft.com/sharepoint/v3/contenttype/forms"/>
+  </ds:schemaRefs>
+</ds:datastoreItem>
+</file>
+
 <file path=docMetadata/LabelInfo.xml><?xml version="1.0" encoding="utf-8"?>
 <clbl:labelList xmlns:clbl="http://schemas.microsoft.com/office/2020/mipLabelMetadata"/>
 </file>